--- a/Pipeline_Use-cases/Pipeline.pptx
+++ b/Pipeline_Use-cases/Pipeline.pptx
@@ -10,28 +10,31 @@
   <p:sldIdLst>
     <p:sldId id="256" r:id="rId5"/>
     <p:sldId id="257" r:id="rId6"/>
+    <p:sldId id="258" r:id="rId7"/>
+    <p:sldId id="259" r:id="rId8"/>
+    <p:sldId id="260" r:id="rId9"/>
   </p:sldIdLst>
   <p:sldSz cy="6858000" cx="12192000"/>
   <p:notesSz cx="6858000" cy="9144000"/>
   <p:embeddedFontLst>
     <p:embeddedFont>
       <p:font typeface="Play"/>
-      <p:regular r:id="rId7"/>
-      <p:bold r:id="rId8"/>
+      <p:regular r:id="rId10"/>
+      <p:bold r:id="rId11"/>
     </p:embeddedFont>
     <p:embeddedFont>
       <p:font typeface="Roboto Medium"/>
-      <p:regular r:id="rId9"/>
-      <p:bold r:id="rId10"/>
-      <p:italic r:id="rId11"/>
-      <p:boldItalic r:id="rId12"/>
+      <p:regular r:id="rId12"/>
+      <p:bold r:id="rId13"/>
+      <p:italic r:id="rId14"/>
+      <p:boldItalic r:id="rId15"/>
     </p:embeddedFont>
     <p:embeddedFont>
       <p:font typeface="Roboto"/>
-      <p:regular r:id="rId13"/>
-      <p:bold r:id="rId14"/>
-      <p:italic r:id="rId15"/>
-      <p:boldItalic r:id="rId16"/>
+      <p:regular r:id="rId16"/>
+      <p:bold r:id="rId17"/>
+      <p:italic r:id="rId18"/>
+      <p:boldItalic r:id="rId19"/>
     </p:embeddedFont>
   </p:embeddedFontLst>
   <p:defaultTextStyle>
@@ -265,7 +268,7 @@
   </p:defaultTextStyle>
   <p:extLst>
     <p:ext uri="GoogleSlidesCustomDataVersion2">
-      <go:slidesCustomData xmlns:go="http://customooxmlschemas.google.com/" r:id="rId17" roundtripDataSignature="AMtx7miP/CNUCd+KBvdTrlmF6jjqGNkQ1A=="/>
+      <go:slidesCustomData xmlns:go="http://customooxmlschemas.google.com/" r:id="rId20" roundtripDataSignature="AMtx7miQP6cmB7pYCgFgHBhW7+Lgatc07g=="/>
     </p:ext>
   </p:extLst>
 </p:presentation>
@@ -815,7 +818,106 @@
       </p:grpSpPr>
       <p:sp>
         <p:nvSpPr>
-          <p:cNvPr id="105" name="Google Shape;105;g2d64fe7fbcd_0_12:notes"/>
+          <p:cNvPr id="105" name="Google Shape;105;g33cb3cc78c5_0_0:notes"/>
+          <p:cNvSpPr/>
+          <p:nvPr>
+            <p:ph idx="2" type="sldImg"/>
+          </p:nvPr>
+        </p:nvSpPr>
+        <p:spPr>
+          <a:xfrm>
+            <a:off x="1143225" y="685800"/>
+            <a:ext cx="4572300" cy="3429000"/>
+          </a:xfrm>
+          <a:custGeom>
+            <a:rect b="b" l="l" r="r" t="t"/>
+            <a:pathLst>
+              <a:path extrusionOk="0" h="120000" w="120000">
+                <a:moveTo>
+                  <a:pt x="0" y="0"/>
+                </a:moveTo>
+                <a:lnTo>
+                  <a:pt x="120000" y="0"/>
+                </a:lnTo>
+                <a:lnTo>
+                  <a:pt x="120000" y="120000"/>
+                </a:lnTo>
+                <a:lnTo>
+                  <a:pt x="0" y="120000"/>
+                </a:lnTo>
+                <a:close/>
+              </a:path>
+            </a:pathLst>
+          </a:custGeom>
+        </p:spPr>
+      </p:sp>
+      <p:sp>
+        <p:nvSpPr>
+          <p:cNvPr id="106" name="Google Shape;106;g33cb3cc78c5_0_0:notes"/>
+          <p:cNvSpPr txBox="1"/>
+          <p:nvPr>
+            <p:ph idx="1" type="body"/>
+          </p:nvPr>
+        </p:nvSpPr>
+        <p:spPr>
+          <a:xfrm>
+            <a:off x="685800" y="4343400"/>
+            <a:ext cx="5486400" cy="4114800"/>
+          </a:xfrm>
+          <a:prstGeom prst="rect">
+            <a:avLst/>
+          </a:prstGeom>
+        </p:spPr>
+        <p:txBody>
+          <a:bodyPr anchorCtr="0" anchor="t" bIns="91425" lIns="91425" spcFirstLastPara="1" rIns="91425" wrap="square" tIns="91425">
+            <a:noAutofit/>
+          </a:bodyPr>
+          <a:lstStyle/>
+          <a:p>
+            <a:pPr indent="0" lvl="0" marL="0" rtl="0" algn="l">
+              <a:spcBef>
+                <a:spcPts val="0"/>
+              </a:spcBef>
+              <a:spcAft>
+                <a:spcPts val="0"/>
+              </a:spcAft>
+              <a:buNone/>
+            </a:pPr>
+            <a:r>
+              <a:t/>
+            </a:r>
+            <a:endParaRPr/>
+          </a:p>
+        </p:txBody>
+      </p:sp>
+    </p:spTree>
+  </p:cSld>
+  <p:clrMapOvr>
+    <a:masterClrMapping/>
+  </p:clrMapOvr>
+</p:notes>
+</file>
+
+<file path=ppt/notesSlides/notesSlide3.xml><?xml version="1.0" encoding="utf-8"?>
+<p:notes xmlns:a="http://schemas.openxmlformats.org/drawingml/2006/main" xmlns:r="http://schemas.openxmlformats.org/officeDocument/2006/relationships" xmlns:mc="http://schemas.openxmlformats.org/markup-compatibility/2006" xmlns:mv="urn:schemas-microsoft-com:mac:vml" xmlns:p="http://schemas.openxmlformats.org/presentationml/2006/main" xmlns:c="http://schemas.openxmlformats.org/drawingml/2006/chart" xmlns:dgm="http://schemas.openxmlformats.org/drawingml/2006/diagram" xmlns:o="urn:schemas-microsoft-com:office:office" xmlns:v="urn:schemas-microsoft-com:vml" xmlns:pvml="urn:schemas-microsoft-com:office:powerpoint" xmlns:com="http://schemas.openxmlformats.org/drawingml/2006/compatibility" xmlns:p14="http://schemas.microsoft.com/office/powerpoint/2010/main" xmlns:p15="http://schemas.microsoft.com/office/powerpoint/2012/main" xmlns:ahyp="http://schemas.microsoft.com/office/drawing/2018/hyperlinkcolor" showMasterPhAnim="0" showMasterSp="0">
+  <p:cSld>
+    <p:spTree>
+      <p:nvGrpSpPr>
+        <p:cNvPr id="112" name="Shape 112"/>
+        <p:cNvGrpSpPr/>
+        <p:nvPr/>
+      </p:nvGrpSpPr>
+      <p:grpSpPr>
+        <a:xfrm>
+          <a:off x="0" y="0"/>
+          <a:ext cx="0" cy="0"/>
+          <a:chOff x="0" y="0"/>
+          <a:chExt cx="0" cy="0"/>
+        </a:xfrm>
+      </p:grpSpPr>
+      <p:sp>
+        <p:nvSpPr>
+          <p:cNvPr id="113" name="Google Shape;113;g2d64fe7fbcd_0_12:notes"/>
           <p:cNvSpPr/>
           <p:nvPr>
             <p:ph idx="2" type="sldImg"/>
@@ -850,7 +952,207 @@
       </p:sp>
       <p:sp>
         <p:nvSpPr>
-          <p:cNvPr id="106" name="Google Shape;106;g2d64fe7fbcd_0_12:notes"/>
+          <p:cNvPr id="114" name="Google Shape;114;g2d64fe7fbcd_0_12:notes"/>
+          <p:cNvSpPr txBox="1"/>
+          <p:nvPr>
+            <p:ph idx="1" type="body"/>
+          </p:nvPr>
+        </p:nvSpPr>
+        <p:spPr>
+          <a:xfrm>
+            <a:off x="685800" y="4343400"/>
+            <a:ext cx="5486400" cy="4114800"/>
+          </a:xfrm>
+          <a:prstGeom prst="rect">
+            <a:avLst/>
+          </a:prstGeom>
+        </p:spPr>
+        <p:txBody>
+          <a:bodyPr anchorCtr="0" anchor="t" bIns="91425" lIns="91425" spcFirstLastPara="1" rIns="91425" wrap="square" tIns="91425">
+            <a:noAutofit/>
+          </a:bodyPr>
+          <a:lstStyle/>
+          <a:p>
+            <a:pPr indent="0" lvl="0" marL="0" rtl="0" algn="l">
+              <a:spcBef>
+                <a:spcPts val="0"/>
+              </a:spcBef>
+              <a:spcAft>
+                <a:spcPts val="0"/>
+              </a:spcAft>
+              <a:buNone/>
+            </a:pPr>
+            <a:r>
+              <a:rPr lang="en-US"/>
+              <a:t>Get the semantic map information to go to a location </a:t>
+            </a:r>
+            <a:endParaRPr/>
+          </a:p>
+        </p:txBody>
+      </p:sp>
+    </p:spTree>
+  </p:cSld>
+  <p:clrMapOvr>
+    <a:masterClrMapping/>
+  </p:clrMapOvr>
+</p:notes>
+</file>
+
+<file path=ppt/notesSlides/notesSlide4.xml><?xml version="1.0" encoding="utf-8"?>
+<p:notes xmlns:a="http://schemas.openxmlformats.org/drawingml/2006/main" xmlns:r="http://schemas.openxmlformats.org/officeDocument/2006/relationships" xmlns:mc="http://schemas.openxmlformats.org/markup-compatibility/2006" xmlns:mv="urn:schemas-microsoft-com:mac:vml" xmlns:p="http://schemas.openxmlformats.org/presentationml/2006/main" xmlns:c="http://schemas.openxmlformats.org/drawingml/2006/chart" xmlns:dgm="http://schemas.openxmlformats.org/drawingml/2006/diagram" xmlns:o="urn:schemas-microsoft-com:office:office" xmlns:v="urn:schemas-microsoft-com:vml" xmlns:pvml="urn:schemas-microsoft-com:office:powerpoint" xmlns:com="http://schemas.openxmlformats.org/drawingml/2006/compatibility" xmlns:p14="http://schemas.microsoft.com/office/powerpoint/2010/main" xmlns:p15="http://schemas.microsoft.com/office/powerpoint/2012/main" xmlns:ahyp="http://schemas.microsoft.com/office/drawing/2018/hyperlinkcolor" showMasterPhAnim="0" showMasterSp="0">
+  <p:cSld>
+    <p:spTree>
+      <p:nvGrpSpPr>
+        <p:cNvPr id="139" name="Shape 139"/>
+        <p:cNvGrpSpPr/>
+        <p:nvPr/>
+      </p:nvGrpSpPr>
+      <p:grpSpPr>
+        <a:xfrm>
+          <a:off x="0" y="0"/>
+          <a:ext cx="0" cy="0"/>
+          <a:chOff x="0" y="0"/>
+          <a:chExt cx="0" cy="0"/>
+        </a:xfrm>
+      </p:grpSpPr>
+      <p:sp>
+        <p:nvSpPr>
+          <p:cNvPr id="140" name="Google Shape;140;g31cd6d2581a_0_7:notes"/>
+          <p:cNvSpPr/>
+          <p:nvPr>
+            <p:ph idx="2" type="sldImg"/>
+          </p:nvPr>
+        </p:nvSpPr>
+        <p:spPr>
+          <a:xfrm>
+            <a:off x="381300" y="685800"/>
+            <a:ext cx="6096000" cy="3429000"/>
+          </a:xfrm>
+          <a:custGeom>
+            <a:rect b="b" l="l" r="r" t="t"/>
+            <a:pathLst>
+              <a:path extrusionOk="0" h="120000" w="120000">
+                <a:moveTo>
+                  <a:pt x="0" y="0"/>
+                </a:moveTo>
+                <a:lnTo>
+                  <a:pt x="120000" y="0"/>
+                </a:lnTo>
+                <a:lnTo>
+                  <a:pt x="120000" y="120000"/>
+                </a:lnTo>
+                <a:lnTo>
+                  <a:pt x="0" y="120000"/>
+                </a:lnTo>
+                <a:close/>
+              </a:path>
+            </a:pathLst>
+          </a:custGeom>
+        </p:spPr>
+      </p:sp>
+      <p:sp>
+        <p:nvSpPr>
+          <p:cNvPr id="141" name="Google Shape;141;g31cd6d2581a_0_7:notes"/>
+          <p:cNvSpPr txBox="1"/>
+          <p:nvPr>
+            <p:ph idx="1" type="body"/>
+          </p:nvPr>
+        </p:nvSpPr>
+        <p:spPr>
+          <a:xfrm>
+            <a:off x="685800" y="4343400"/>
+            <a:ext cx="5486400" cy="4114800"/>
+          </a:xfrm>
+          <a:prstGeom prst="rect">
+            <a:avLst/>
+          </a:prstGeom>
+        </p:spPr>
+        <p:txBody>
+          <a:bodyPr anchorCtr="0" anchor="t" bIns="91425" lIns="91425" spcFirstLastPara="1" rIns="91425" wrap="square" tIns="91425">
+            <a:noAutofit/>
+          </a:bodyPr>
+          <a:lstStyle/>
+          <a:p>
+            <a:pPr indent="0" lvl="0" marL="0" rtl="0" algn="l">
+              <a:spcBef>
+                <a:spcPts val="0"/>
+              </a:spcBef>
+              <a:spcAft>
+                <a:spcPts val="0"/>
+              </a:spcAft>
+              <a:buNone/>
+            </a:pPr>
+            <a:r>
+              <a:rPr lang="en-US"/>
+              <a:t>Get the semantic map information to go to a location </a:t>
+            </a:r>
+            <a:endParaRPr/>
+          </a:p>
+        </p:txBody>
+      </p:sp>
+    </p:spTree>
+  </p:cSld>
+  <p:clrMapOvr>
+    <a:masterClrMapping/>
+  </p:clrMapOvr>
+</p:notes>
+</file>
+
+<file path=ppt/notesSlides/notesSlide5.xml><?xml version="1.0" encoding="utf-8"?>
+<p:notes xmlns:a="http://schemas.openxmlformats.org/drawingml/2006/main" xmlns:r="http://schemas.openxmlformats.org/officeDocument/2006/relationships" xmlns:mc="http://schemas.openxmlformats.org/markup-compatibility/2006" xmlns:mv="urn:schemas-microsoft-com:mac:vml" xmlns:p="http://schemas.openxmlformats.org/presentationml/2006/main" xmlns:c="http://schemas.openxmlformats.org/drawingml/2006/chart" xmlns:dgm="http://schemas.openxmlformats.org/drawingml/2006/diagram" xmlns:o="urn:schemas-microsoft-com:office:office" xmlns:v="urn:schemas-microsoft-com:vml" xmlns:pvml="urn:schemas-microsoft-com:office:powerpoint" xmlns:com="http://schemas.openxmlformats.org/drawingml/2006/compatibility" xmlns:p14="http://schemas.microsoft.com/office/powerpoint/2010/main" xmlns:p15="http://schemas.microsoft.com/office/powerpoint/2012/main" xmlns:ahyp="http://schemas.microsoft.com/office/drawing/2018/hyperlinkcolor" showMasterPhAnim="0" showMasterSp="0">
+  <p:cSld>
+    <p:spTree>
+      <p:nvGrpSpPr>
+        <p:cNvPr id="146" name="Shape 146"/>
+        <p:cNvGrpSpPr/>
+        <p:nvPr/>
+      </p:nvGrpSpPr>
+      <p:grpSpPr>
+        <a:xfrm>
+          <a:off x="0" y="0"/>
+          <a:ext cx="0" cy="0"/>
+          <a:chOff x="0" y="0"/>
+          <a:chExt cx="0" cy="0"/>
+        </a:xfrm>
+      </p:grpSpPr>
+      <p:sp>
+        <p:nvSpPr>
+          <p:cNvPr id="147" name="Google Shape;147;g31cd6d2581a_0_35:notes"/>
+          <p:cNvSpPr/>
+          <p:nvPr>
+            <p:ph idx="2" type="sldImg"/>
+          </p:nvPr>
+        </p:nvSpPr>
+        <p:spPr>
+          <a:xfrm>
+            <a:off x="381300" y="685800"/>
+            <a:ext cx="6096000" cy="3429000"/>
+          </a:xfrm>
+          <a:custGeom>
+            <a:rect b="b" l="l" r="r" t="t"/>
+            <a:pathLst>
+              <a:path extrusionOk="0" h="120000" w="120000">
+                <a:moveTo>
+                  <a:pt x="0" y="0"/>
+                </a:moveTo>
+                <a:lnTo>
+                  <a:pt x="120000" y="0"/>
+                </a:lnTo>
+                <a:lnTo>
+                  <a:pt x="120000" y="120000"/>
+                </a:lnTo>
+                <a:lnTo>
+                  <a:pt x="0" y="120000"/>
+                </a:lnTo>
+                <a:close/>
+              </a:path>
+            </a:pathLst>
+          </a:custGeom>
+        </p:spPr>
+      </p:sp>
+      <p:sp>
+        <p:nvSpPr>
+          <p:cNvPr id="148" name="Google Shape;148;g31cd6d2581a_0_35:notes"/>
           <p:cNvSpPr txBox="1"/>
           <p:nvPr>
             <p:ph idx="1" type="body"/>
@@ -12277,13 +12579,6 @@
 <file path=ppt/slides/slide2.xml><?xml version="1.0" encoding="utf-8"?>
 <p:sld xmlns:a="http://schemas.openxmlformats.org/drawingml/2006/main" xmlns:r="http://schemas.openxmlformats.org/officeDocument/2006/relationships" xmlns:mc="http://schemas.openxmlformats.org/markup-compatibility/2006" xmlns:mv="urn:schemas-microsoft-com:mac:vml" xmlns:p="http://schemas.openxmlformats.org/presentationml/2006/main" xmlns:c="http://schemas.openxmlformats.org/drawingml/2006/chart" xmlns:dgm="http://schemas.openxmlformats.org/drawingml/2006/diagram" xmlns:o="urn:schemas-microsoft-com:office:office" xmlns:v="urn:schemas-microsoft-com:vml" xmlns:pvml="urn:schemas-microsoft-com:office:powerpoint" xmlns:com="http://schemas.openxmlformats.org/drawingml/2006/compatibility" xmlns:p14="http://schemas.microsoft.com/office/powerpoint/2010/main" xmlns:p15="http://schemas.microsoft.com/office/powerpoint/2012/main" xmlns:ahyp="http://schemas.microsoft.com/office/drawing/2018/hyperlinkcolor">
   <p:cSld>
-    <p:bg>
-      <p:bgPr>
-        <a:solidFill>
-          <a:srgbClr val="61605F"/>
-        </a:solidFill>
-      </p:bgPr>
-    </p:bg>
     <p:spTree>
       <p:nvGrpSpPr>
         <p:cNvPr id="107" name="Shape 107"/>
@@ -12300,7 +12595,1166 @@
       </p:grpSpPr>
       <p:sp>
         <p:nvSpPr>
-          <p:cNvPr id="108" name="Google Shape;108;g2d64fe7fbcd_0_12"/>
+          <p:cNvPr id="108" name="Google Shape;108;g33cb3cc78c5_0_0"/>
+          <p:cNvSpPr txBox="1"/>
+          <p:nvPr/>
+        </p:nvSpPr>
+        <p:spPr>
+          <a:xfrm>
+            <a:off x="531925" y="916775"/>
+            <a:ext cx="10556400" cy="1077600"/>
+          </a:xfrm>
+          <a:prstGeom prst="rect">
+            <a:avLst/>
+          </a:prstGeom>
+          <a:noFill/>
+          <a:ln>
+            <a:noFill/>
+          </a:ln>
+        </p:spPr>
+        <p:txBody>
+          <a:bodyPr anchorCtr="0" anchor="t" bIns="91425" lIns="91425" spcFirstLastPara="1" rIns="91425" wrap="square" tIns="91425">
+            <a:noAutofit/>
+          </a:bodyPr>
+          <a:lstStyle/>
+          <a:p>
+            <a:pPr indent="0" lvl="0" marL="0" rtl="0" algn="l">
+              <a:lnSpc>
+                <a:spcPct val="115000"/>
+              </a:lnSpc>
+              <a:spcBef>
+                <a:spcPts val="0"/>
+              </a:spcBef>
+              <a:spcAft>
+                <a:spcPts val="0"/>
+              </a:spcAft>
+              <a:buClr>
+                <a:schemeClr val="dk1"/>
+              </a:buClr>
+              <a:buSzPts val="1100"/>
+              <a:buFont typeface="Arial"/>
+              <a:buNone/>
+            </a:pPr>
+            <a:r>
+              <a:rPr lang="en-US">
+                <a:solidFill>
+                  <a:schemeClr val="dk1"/>
+                </a:solidFill>
+              </a:rPr>
+              <a:t>This </a:t>
+            </a:r>
+            <a:r>
+              <a:rPr b="1" lang="en-US">
+                <a:solidFill>
+                  <a:schemeClr val="dk1"/>
+                </a:solidFill>
+              </a:rPr>
+              <a:t>pipeline</a:t>
+            </a:r>
+            <a:r>
+              <a:rPr lang="en-US">
+                <a:solidFill>
+                  <a:schemeClr val="dk1"/>
+                </a:solidFill>
+              </a:rPr>
+              <a:t> integrates a </a:t>
+            </a:r>
+            <a:r>
+              <a:rPr b="1" lang="en-US">
+                <a:solidFill>
+                  <a:schemeClr val="dk1"/>
+                </a:solidFill>
+              </a:rPr>
+              <a:t>finetuned GPT LLM</a:t>
+            </a:r>
+            <a:r>
+              <a:rPr lang="en-US">
+                <a:solidFill>
+                  <a:schemeClr val="dk1"/>
+                </a:solidFill>
+              </a:rPr>
+              <a:t> with </a:t>
+            </a:r>
+            <a:r>
+              <a:rPr b="1" lang="en-US">
+                <a:solidFill>
+                  <a:schemeClr val="dk1"/>
+                </a:solidFill>
+              </a:rPr>
+              <a:t>VLM-based inference</a:t>
+            </a:r>
+            <a:r>
+              <a:rPr lang="en-US">
+                <a:solidFill>
+                  <a:schemeClr val="dk1"/>
+                </a:solidFill>
+              </a:rPr>
+              <a:t> for </a:t>
+            </a:r>
+            <a:r>
+              <a:rPr b="1" lang="en-US">
+                <a:solidFill>
+                  <a:schemeClr val="dk1"/>
+                </a:solidFill>
+              </a:rPr>
+              <a:t>semantic awareness</a:t>
+            </a:r>
+            <a:r>
+              <a:rPr lang="en-US">
+                <a:solidFill>
+                  <a:schemeClr val="dk1"/>
+                </a:solidFill>
+              </a:rPr>
+              <a:t>, processing </a:t>
+            </a:r>
+            <a:r>
+              <a:rPr b="1" lang="en-US">
+                <a:solidFill>
+                  <a:schemeClr val="dk1"/>
+                </a:solidFill>
+              </a:rPr>
+              <a:t>YOLO-detected indoor &amp; outdoor objects</a:t>
+            </a:r>
+            <a:r>
+              <a:rPr lang="en-US">
+                <a:solidFill>
+                  <a:schemeClr val="dk1"/>
+                </a:solidFill>
+              </a:rPr>
+              <a:t>. The pipeline is </a:t>
+            </a:r>
+            <a:r>
+              <a:rPr b="1" lang="en-US">
+                <a:solidFill>
+                  <a:schemeClr val="dk1"/>
+                </a:solidFill>
+              </a:rPr>
+              <a:t>scalable</a:t>
+            </a:r>
+            <a:r>
+              <a:rPr lang="en-US">
+                <a:solidFill>
+                  <a:schemeClr val="dk1"/>
+                </a:solidFill>
+              </a:rPr>
+              <a:t>, leveraging </a:t>
+            </a:r>
+            <a:r>
+              <a:rPr b="1" lang="en-US">
+                <a:solidFill>
+                  <a:schemeClr val="dk1"/>
+                </a:solidFill>
+              </a:rPr>
+              <a:t>AWS services, containerization and JSON serialization</a:t>
+            </a:r>
+            <a:r>
+              <a:rPr lang="en-US">
+                <a:solidFill>
+                  <a:schemeClr val="dk1"/>
+                </a:solidFill>
+              </a:rPr>
+              <a:t> for </a:t>
+            </a:r>
+            <a:r>
+              <a:rPr b="1" lang="en-US">
+                <a:solidFill>
+                  <a:schemeClr val="dk1"/>
+                </a:solidFill>
+              </a:rPr>
+              <a:t>efficient storage, indexing, and retrieval</a:t>
+            </a:r>
+            <a:r>
+              <a:rPr lang="en-US">
+                <a:solidFill>
+                  <a:schemeClr val="dk1"/>
+                </a:solidFill>
+              </a:rPr>
+              <a:t>.</a:t>
+            </a:r>
+            <a:endParaRPr>
+              <a:solidFill>
+                <a:schemeClr val="dk1"/>
+              </a:solidFill>
+            </a:endParaRPr>
+          </a:p>
+          <a:p>
+            <a:pPr indent="0" lvl="0" marL="0" rtl="0" algn="l">
+              <a:spcBef>
+                <a:spcPts val="0"/>
+              </a:spcBef>
+              <a:spcAft>
+                <a:spcPts val="0"/>
+              </a:spcAft>
+              <a:buNone/>
+            </a:pPr>
+            <a:r>
+              <a:t/>
+            </a:r>
+            <a:endParaRPr>
+              <a:solidFill>
+                <a:schemeClr val="dk1"/>
+              </a:solidFill>
+            </a:endParaRPr>
+          </a:p>
+        </p:txBody>
+      </p:sp>
+      <p:sp>
+        <p:nvSpPr>
+          <p:cNvPr id="109" name="Google Shape;109;g33cb3cc78c5_0_0"/>
+          <p:cNvSpPr txBox="1"/>
+          <p:nvPr/>
+        </p:nvSpPr>
+        <p:spPr>
+          <a:xfrm>
+            <a:off x="531925" y="1934950"/>
+            <a:ext cx="6980400" cy="2522700"/>
+          </a:xfrm>
+          <a:prstGeom prst="rect">
+            <a:avLst/>
+          </a:prstGeom>
+          <a:noFill/>
+          <a:ln>
+            <a:noFill/>
+          </a:ln>
+        </p:spPr>
+        <p:txBody>
+          <a:bodyPr anchorCtr="0" anchor="t" bIns="91425" lIns="91425" spcFirstLastPara="1" rIns="91425" wrap="square" tIns="91425">
+            <a:noAutofit/>
+          </a:bodyPr>
+          <a:lstStyle/>
+          <a:p>
+            <a:pPr indent="0" lvl="0" marL="0" rtl="0" algn="l">
+              <a:lnSpc>
+                <a:spcPct val="115000"/>
+              </a:lnSpc>
+              <a:spcBef>
+                <a:spcPts val="0"/>
+              </a:spcBef>
+              <a:spcAft>
+                <a:spcPts val="0"/>
+              </a:spcAft>
+              <a:buNone/>
+            </a:pPr>
+            <a:r>
+              <a:rPr b="1" lang="en-US" sz="1900" u="sng">
+                <a:solidFill>
+                  <a:schemeClr val="dk1"/>
+                </a:solidFill>
+              </a:rPr>
+              <a:t>Steps:</a:t>
+            </a:r>
+            <a:endParaRPr b="1" sz="1900" u="sng">
+              <a:solidFill>
+                <a:schemeClr val="dk1"/>
+              </a:solidFill>
+            </a:endParaRPr>
+          </a:p>
+          <a:p>
+            <a:pPr indent="0" lvl="0" marL="0" rtl="0" algn="l">
+              <a:lnSpc>
+                <a:spcPct val="115000"/>
+              </a:lnSpc>
+              <a:spcBef>
+                <a:spcPts val="0"/>
+              </a:spcBef>
+              <a:spcAft>
+                <a:spcPts val="0"/>
+              </a:spcAft>
+              <a:buClr>
+                <a:schemeClr val="dk1"/>
+              </a:buClr>
+              <a:buSzPts val="1100"/>
+              <a:buFont typeface="Arial"/>
+              <a:buNone/>
+            </a:pPr>
+            <a:r>
+              <a:rPr lang="en-US">
+                <a:solidFill>
+                  <a:schemeClr val="dk1"/>
+                </a:solidFill>
+              </a:rPr>
+              <a:t>-</a:t>
+            </a:r>
+            <a:r>
+              <a:rPr b="1" lang="en-US">
+                <a:solidFill>
+                  <a:schemeClr val="dk1"/>
+                </a:solidFill>
+              </a:rPr>
+              <a:t>YOLO </a:t>
+            </a:r>
+            <a:r>
+              <a:rPr lang="en-US">
+                <a:solidFill>
+                  <a:schemeClr val="dk1"/>
+                </a:solidFill>
+              </a:rPr>
+              <a:t>runs on bot for object detection.</a:t>
+            </a:r>
+            <a:endParaRPr>
+              <a:solidFill>
+                <a:schemeClr val="dk1"/>
+              </a:solidFill>
+            </a:endParaRPr>
+          </a:p>
+          <a:p>
+            <a:pPr indent="0" lvl="0" marL="0" rtl="0" algn="l">
+              <a:lnSpc>
+                <a:spcPct val="115000"/>
+              </a:lnSpc>
+              <a:spcBef>
+                <a:spcPts val="0"/>
+              </a:spcBef>
+              <a:spcAft>
+                <a:spcPts val="0"/>
+              </a:spcAft>
+              <a:buClr>
+                <a:schemeClr val="dk1"/>
+              </a:buClr>
+              <a:buSzPts val="1100"/>
+              <a:buFont typeface="Arial"/>
+              <a:buNone/>
+            </a:pPr>
+            <a:r>
+              <a:rPr lang="en-US">
+                <a:solidFill>
+                  <a:schemeClr val="dk1"/>
+                </a:solidFill>
+              </a:rPr>
+              <a:t>-Bot sends image &amp; metadata to </a:t>
+            </a:r>
+            <a:r>
+              <a:rPr b="1" lang="en-US">
+                <a:solidFill>
+                  <a:schemeClr val="dk1"/>
+                </a:solidFill>
+              </a:rPr>
+              <a:t>AWS S3</a:t>
+            </a:r>
+            <a:r>
+              <a:rPr lang="en-US">
+                <a:solidFill>
+                  <a:schemeClr val="dk1"/>
+                </a:solidFill>
+              </a:rPr>
+              <a:t>.</a:t>
+            </a:r>
+            <a:endParaRPr>
+              <a:solidFill>
+                <a:schemeClr val="dk1"/>
+              </a:solidFill>
+            </a:endParaRPr>
+          </a:p>
+          <a:p>
+            <a:pPr indent="0" lvl="0" marL="0" rtl="0" algn="l">
+              <a:lnSpc>
+                <a:spcPct val="115000"/>
+              </a:lnSpc>
+              <a:spcBef>
+                <a:spcPts val="0"/>
+              </a:spcBef>
+              <a:spcAft>
+                <a:spcPts val="0"/>
+              </a:spcAft>
+              <a:buClr>
+                <a:schemeClr val="dk1"/>
+              </a:buClr>
+              <a:buSzPts val="1100"/>
+              <a:buFont typeface="Arial"/>
+              <a:buNone/>
+            </a:pPr>
+            <a:r>
+              <a:rPr lang="en-US">
+                <a:solidFill>
+                  <a:schemeClr val="dk1"/>
+                </a:solidFill>
+              </a:rPr>
+              <a:t>-</a:t>
+            </a:r>
+            <a:r>
+              <a:rPr b="1" lang="en-US">
+                <a:solidFill>
+                  <a:schemeClr val="dk1"/>
+                </a:solidFill>
+              </a:rPr>
+              <a:t>AWS Lambda </a:t>
+            </a:r>
+            <a:r>
+              <a:rPr lang="en-US">
+                <a:solidFill>
+                  <a:schemeClr val="dk1"/>
+                </a:solidFill>
+              </a:rPr>
+              <a:t>processes data using </a:t>
+            </a:r>
+            <a:r>
+              <a:rPr b="1" lang="en-US">
+                <a:solidFill>
+                  <a:schemeClr val="dk1"/>
+                </a:solidFill>
+              </a:rPr>
+              <a:t>VLM (CLIP/BLIP-2) &amp; LLM</a:t>
+            </a:r>
+            <a:r>
+              <a:rPr lang="en-US">
+                <a:solidFill>
+                  <a:schemeClr val="dk1"/>
+                </a:solidFill>
+              </a:rPr>
+              <a:t>.</a:t>
+            </a:r>
+            <a:endParaRPr>
+              <a:solidFill>
+                <a:schemeClr val="dk1"/>
+              </a:solidFill>
+            </a:endParaRPr>
+          </a:p>
+          <a:p>
+            <a:pPr indent="0" lvl="0" marL="0" rtl="0" algn="l">
+              <a:lnSpc>
+                <a:spcPct val="115000"/>
+              </a:lnSpc>
+              <a:spcBef>
+                <a:spcPts val="0"/>
+              </a:spcBef>
+              <a:spcAft>
+                <a:spcPts val="0"/>
+              </a:spcAft>
+              <a:buClr>
+                <a:schemeClr val="dk1"/>
+              </a:buClr>
+              <a:buSzPts val="1100"/>
+              <a:buFont typeface="Arial"/>
+              <a:buNone/>
+            </a:pPr>
+            <a:r>
+              <a:rPr lang="en-US">
+                <a:solidFill>
+                  <a:schemeClr val="dk1"/>
+                </a:solidFill>
+              </a:rPr>
+              <a:t>-</a:t>
+            </a:r>
+            <a:r>
+              <a:rPr b="1" lang="en-US">
+                <a:solidFill>
+                  <a:schemeClr val="dk1"/>
+                </a:solidFill>
+              </a:rPr>
+              <a:t>FAISS </a:t>
+            </a:r>
+            <a:r>
+              <a:rPr lang="en-US">
+                <a:solidFill>
+                  <a:schemeClr val="dk1"/>
+                </a:solidFill>
+              </a:rPr>
+              <a:t>(vector search) handles efficient retrieval (match code </a:t>
+            </a:r>
+            <a:r>
+              <a:rPr b="1" lang="en-US">
+                <a:solidFill>
+                  <a:schemeClr val="dk1"/>
+                </a:solidFill>
+              </a:rPr>
+              <a:t>METEOR</a:t>
+            </a:r>
+            <a:r>
+              <a:rPr lang="en-US">
+                <a:solidFill>
+                  <a:schemeClr val="dk1"/>
+                </a:solidFill>
+              </a:rPr>
+              <a:t> here):</a:t>
+            </a:r>
+            <a:endParaRPr>
+              <a:solidFill>
+                <a:schemeClr val="dk1"/>
+              </a:solidFill>
+            </a:endParaRPr>
+          </a:p>
+          <a:p>
+            <a:pPr indent="0" lvl="0" marL="12700" rtl="0" algn="l">
+              <a:lnSpc>
+                <a:spcPct val="115000"/>
+              </a:lnSpc>
+              <a:spcBef>
+                <a:spcPts val="0"/>
+              </a:spcBef>
+              <a:spcAft>
+                <a:spcPts val="0"/>
+              </a:spcAft>
+              <a:buClr>
+                <a:schemeClr val="dk1"/>
+              </a:buClr>
+              <a:buSzPts val="1100"/>
+              <a:buFont typeface="Arial"/>
+              <a:buNone/>
+            </a:pPr>
+            <a:r>
+              <a:rPr lang="en-US">
+                <a:solidFill>
+                  <a:schemeClr val="dk1"/>
+                </a:solidFill>
+              </a:rPr>
+              <a:t>-either  from </a:t>
+            </a:r>
+            <a:r>
+              <a:rPr b="1" lang="en-US">
+                <a:solidFill>
+                  <a:schemeClr val="dk1"/>
+                </a:solidFill>
+              </a:rPr>
+              <a:t>Database 1</a:t>
+            </a:r>
+            <a:r>
+              <a:rPr lang="en-US">
+                <a:solidFill>
+                  <a:schemeClr val="dk1"/>
+                </a:solidFill>
+              </a:rPr>
+              <a:t> (LLM/VLM output) for </a:t>
+            </a:r>
+            <a:r>
+              <a:rPr b="1" lang="en-US">
+                <a:solidFill>
+                  <a:schemeClr val="dk1"/>
+                </a:solidFill>
+              </a:rPr>
+              <a:t>unknown environments</a:t>
+            </a:r>
+            <a:endParaRPr b="1">
+              <a:solidFill>
+                <a:schemeClr val="dk1"/>
+              </a:solidFill>
+            </a:endParaRPr>
+          </a:p>
+          <a:p>
+            <a:pPr indent="0" lvl="0" marL="12700" rtl="0" algn="l">
+              <a:lnSpc>
+                <a:spcPct val="115000"/>
+              </a:lnSpc>
+              <a:spcBef>
+                <a:spcPts val="0"/>
+              </a:spcBef>
+              <a:spcAft>
+                <a:spcPts val="0"/>
+              </a:spcAft>
+              <a:buClr>
+                <a:schemeClr val="dk1"/>
+              </a:buClr>
+              <a:buSzPts val="1100"/>
+              <a:buFont typeface="Arial"/>
+              <a:buNone/>
+            </a:pPr>
+            <a:r>
+              <a:rPr lang="en-US">
+                <a:solidFill>
+                  <a:schemeClr val="dk1"/>
+                </a:solidFill>
+              </a:rPr>
+              <a:t>-or from </a:t>
+            </a:r>
+            <a:r>
+              <a:rPr b="1" lang="en-US">
+                <a:solidFill>
+                  <a:schemeClr val="dk1"/>
+                </a:solidFill>
+              </a:rPr>
+              <a:t>Database 2</a:t>
+            </a:r>
+            <a:r>
+              <a:rPr lang="en-US">
+                <a:solidFill>
+                  <a:schemeClr val="dk1"/>
+                </a:solidFill>
+              </a:rPr>
+              <a:t> (semantic segmentation output) for </a:t>
+            </a:r>
+            <a:r>
+              <a:rPr b="1" lang="en-US">
+                <a:solidFill>
+                  <a:schemeClr val="dk1"/>
+                </a:solidFill>
+              </a:rPr>
+              <a:t>known environments</a:t>
+            </a:r>
+            <a:r>
+              <a:rPr lang="en-US">
+                <a:solidFill>
+                  <a:schemeClr val="dk1"/>
+                </a:solidFill>
+              </a:rPr>
+              <a:t>.</a:t>
+            </a:r>
+            <a:endParaRPr>
+              <a:solidFill>
+                <a:schemeClr val="dk1"/>
+              </a:solidFill>
+            </a:endParaRPr>
+          </a:p>
+          <a:p>
+            <a:pPr indent="0" lvl="0" marL="0" rtl="0" algn="l">
+              <a:lnSpc>
+                <a:spcPct val="115000"/>
+              </a:lnSpc>
+              <a:spcBef>
+                <a:spcPts val="0"/>
+              </a:spcBef>
+              <a:spcAft>
+                <a:spcPts val="0"/>
+              </a:spcAft>
+              <a:buClr>
+                <a:schemeClr val="dk1"/>
+              </a:buClr>
+              <a:buSzPts val="1100"/>
+              <a:buFont typeface="Arial"/>
+              <a:buNone/>
+            </a:pPr>
+            <a:r>
+              <a:rPr lang="en-US">
+                <a:solidFill>
+                  <a:schemeClr val="dk1"/>
+                </a:solidFill>
+              </a:rPr>
+              <a:t>-Goal coordinate (file.txt) sent back to bot via </a:t>
+            </a:r>
+            <a:r>
+              <a:rPr b="1" lang="en-US">
+                <a:solidFill>
+                  <a:schemeClr val="dk1"/>
+                </a:solidFill>
+              </a:rPr>
+              <a:t>AWS IoT Core</a:t>
+            </a:r>
+            <a:r>
+              <a:rPr lang="en-US">
+                <a:solidFill>
+                  <a:schemeClr val="dk1"/>
+                </a:solidFill>
+              </a:rPr>
+              <a:t>.</a:t>
+            </a:r>
+            <a:endParaRPr>
+              <a:solidFill>
+                <a:schemeClr val="dk1"/>
+              </a:solidFill>
+            </a:endParaRPr>
+          </a:p>
+          <a:p>
+            <a:pPr indent="0" lvl="0" marL="0" rtl="0" algn="l">
+              <a:lnSpc>
+                <a:spcPct val="115000"/>
+              </a:lnSpc>
+              <a:spcBef>
+                <a:spcPts val="0"/>
+              </a:spcBef>
+              <a:spcAft>
+                <a:spcPts val="0"/>
+              </a:spcAft>
+              <a:buClr>
+                <a:schemeClr val="dk1"/>
+              </a:buClr>
+              <a:buSzPts val="1100"/>
+              <a:buFont typeface="Arial"/>
+              <a:buNone/>
+            </a:pPr>
+            <a:r>
+              <a:rPr lang="en-US">
+                <a:solidFill>
+                  <a:schemeClr val="dk1"/>
+                </a:solidFill>
+              </a:rPr>
+              <a:t>-ROS reads (file.txt) &amp; navigates the bot accordingly.</a:t>
+            </a:r>
+            <a:endParaRPr>
+              <a:solidFill>
+                <a:schemeClr val="dk1"/>
+              </a:solidFill>
+            </a:endParaRPr>
+          </a:p>
+          <a:p>
+            <a:pPr indent="0" lvl="0" marL="0" rtl="0" algn="l">
+              <a:lnSpc>
+                <a:spcPct val="115000"/>
+              </a:lnSpc>
+              <a:spcBef>
+                <a:spcPts val="0"/>
+              </a:spcBef>
+              <a:spcAft>
+                <a:spcPts val="0"/>
+              </a:spcAft>
+              <a:buClr>
+                <a:schemeClr val="dk1"/>
+              </a:buClr>
+              <a:buSzPts val="1100"/>
+              <a:buFont typeface="Arial"/>
+              <a:buNone/>
+            </a:pPr>
+            <a:r>
+              <a:rPr lang="en-US">
+                <a:solidFill>
+                  <a:schemeClr val="dk1"/>
+                </a:solidFill>
+              </a:rPr>
+              <a:t>The above can be nicely performed using API like </a:t>
+            </a:r>
+            <a:r>
+              <a:rPr b="1" lang="en-US">
+                <a:solidFill>
+                  <a:schemeClr val="dk1"/>
+                </a:solidFill>
+              </a:rPr>
+              <a:t>FastAPI</a:t>
+            </a:r>
+            <a:r>
+              <a:rPr lang="en-US">
+                <a:solidFill>
+                  <a:schemeClr val="dk1"/>
+                </a:solidFill>
+              </a:rPr>
+              <a:t>.</a:t>
+            </a:r>
+            <a:endParaRPr>
+              <a:solidFill>
+                <a:schemeClr val="dk1"/>
+              </a:solidFill>
+            </a:endParaRPr>
+          </a:p>
+          <a:p>
+            <a:pPr indent="0" lvl="0" marL="0" rtl="0" algn="l">
+              <a:spcBef>
+                <a:spcPts val="0"/>
+              </a:spcBef>
+              <a:spcAft>
+                <a:spcPts val="0"/>
+              </a:spcAft>
+              <a:buNone/>
+            </a:pPr>
+            <a:r>
+              <a:t/>
+            </a:r>
+            <a:endParaRPr sz="2800">
+              <a:solidFill>
+                <a:schemeClr val="dk1"/>
+              </a:solidFill>
+            </a:endParaRPr>
+          </a:p>
+        </p:txBody>
+      </p:sp>
+      <p:sp>
+        <p:nvSpPr>
+          <p:cNvPr id="110" name="Google Shape;110;g33cb3cc78c5_0_0"/>
+          <p:cNvSpPr txBox="1"/>
+          <p:nvPr/>
+        </p:nvSpPr>
+        <p:spPr>
+          <a:xfrm>
+            <a:off x="531925" y="4732600"/>
+            <a:ext cx="9497700" cy="1901700"/>
+          </a:xfrm>
+          <a:prstGeom prst="rect">
+            <a:avLst/>
+          </a:prstGeom>
+          <a:noFill/>
+          <a:ln>
+            <a:noFill/>
+          </a:ln>
+        </p:spPr>
+        <p:txBody>
+          <a:bodyPr anchorCtr="0" anchor="t" bIns="91425" lIns="91425" spcFirstLastPara="1" rIns="91425" wrap="square" tIns="91425">
+            <a:noAutofit/>
+          </a:bodyPr>
+          <a:lstStyle/>
+          <a:p>
+            <a:pPr indent="0" lvl="0" marL="0" rtl="0" algn="l">
+              <a:lnSpc>
+                <a:spcPct val="115000"/>
+              </a:lnSpc>
+              <a:spcBef>
+                <a:spcPts val="0"/>
+              </a:spcBef>
+              <a:spcAft>
+                <a:spcPts val="0"/>
+              </a:spcAft>
+              <a:buClr>
+                <a:schemeClr val="dk1"/>
+              </a:buClr>
+              <a:buSzPts val="1100"/>
+              <a:buFont typeface="Arial"/>
+              <a:buNone/>
+            </a:pPr>
+            <a:r>
+              <a:rPr b="1" lang="en-US">
+                <a:solidFill>
+                  <a:schemeClr val="dk1"/>
+                </a:solidFill>
+              </a:rPr>
+              <a:t>-&gt; API for Human Query → Cloud-Based Retrieval</a:t>
+            </a:r>
+            <a:endParaRPr b="1">
+              <a:solidFill>
+                <a:schemeClr val="dk1"/>
+              </a:solidFill>
+            </a:endParaRPr>
+          </a:p>
+          <a:p>
+            <a:pPr indent="0" lvl="0" marL="0" rtl="0" algn="l">
+              <a:lnSpc>
+                <a:spcPct val="115000"/>
+              </a:lnSpc>
+              <a:spcBef>
+                <a:spcPts val="0"/>
+              </a:spcBef>
+              <a:spcAft>
+                <a:spcPts val="0"/>
+              </a:spcAft>
+              <a:buClr>
+                <a:schemeClr val="dk1"/>
+              </a:buClr>
+              <a:buSzPts val="1100"/>
+              <a:buFont typeface="Arial"/>
+              <a:buNone/>
+            </a:pPr>
+            <a:r>
+              <a:rPr b="1" lang="en-US">
+                <a:solidFill>
+                  <a:schemeClr val="dk1"/>
+                </a:solidFill>
+              </a:rPr>
+              <a:t>Tools</a:t>
+            </a:r>
+            <a:r>
+              <a:rPr lang="en-US">
+                <a:solidFill>
+                  <a:schemeClr val="dk1"/>
+                </a:solidFill>
+              </a:rPr>
+              <a:t>: FastAPI (for API), AWS Lambda (already have a container), FAISS (vector search)</a:t>
+            </a:r>
+            <a:endParaRPr>
+              <a:solidFill>
+                <a:schemeClr val="dk1"/>
+              </a:solidFill>
+            </a:endParaRPr>
+          </a:p>
+          <a:p>
+            <a:pPr indent="0" lvl="0" marL="0" rtl="0" algn="l">
+              <a:lnSpc>
+                <a:spcPct val="115000"/>
+              </a:lnSpc>
+              <a:spcBef>
+                <a:spcPts val="0"/>
+              </a:spcBef>
+              <a:spcAft>
+                <a:spcPts val="0"/>
+              </a:spcAft>
+              <a:buClr>
+                <a:schemeClr val="dk1"/>
+              </a:buClr>
+              <a:buSzPts val="1100"/>
+              <a:buFont typeface="Arial"/>
+              <a:buNone/>
+            </a:pPr>
+            <a:r>
+              <a:rPr lang="en-US">
+                <a:solidFill>
+                  <a:schemeClr val="dk1"/>
+                </a:solidFill>
+              </a:rPr>
+              <a:t>•User types a </a:t>
+            </a:r>
+            <a:r>
+              <a:rPr b="1" lang="en-US">
+                <a:solidFill>
+                  <a:schemeClr val="dk1"/>
+                </a:solidFill>
+              </a:rPr>
+              <a:t>text query</a:t>
+            </a:r>
+            <a:r>
+              <a:rPr lang="en-US">
+                <a:solidFill>
+                  <a:schemeClr val="dk1"/>
+                </a:solidFill>
+              </a:rPr>
+              <a:t> (e.g., </a:t>
+            </a:r>
+            <a:r>
+              <a:rPr i="1" lang="en-US">
+                <a:solidFill>
+                  <a:schemeClr val="dk1"/>
+                </a:solidFill>
+              </a:rPr>
+              <a:t>"Find the red chair"</a:t>
+            </a:r>
+            <a:r>
+              <a:rPr lang="en-US">
+                <a:solidFill>
+                  <a:schemeClr val="dk1"/>
+                </a:solidFill>
+              </a:rPr>
+              <a:t>).</a:t>
+            </a:r>
+            <a:endParaRPr>
+              <a:solidFill>
+                <a:schemeClr val="dk1"/>
+              </a:solidFill>
+            </a:endParaRPr>
+          </a:p>
+          <a:p>
+            <a:pPr indent="0" lvl="0" marL="0" rtl="0" algn="l">
+              <a:lnSpc>
+                <a:spcPct val="115000"/>
+              </a:lnSpc>
+              <a:spcBef>
+                <a:spcPts val="0"/>
+              </a:spcBef>
+              <a:spcAft>
+                <a:spcPts val="0"/>
+              </a:spcAft>
+              <a:buClr>
+                <a:schemeClr val="dk1"/>
+              </a:buClr>
+              <a:buSzPts val="1100"/>
+              <a:buFont typeface="Arial"/>
+              <a:buNone/>
+            </a:pPr>
+            <a:r>
+              <a:rPr lang="en-US">
+                <a:solidFill>
+                  <a:schemeClr val="dk1"/>
+                </a:solidFill>
+              </a:rPr>
+              <a:t>•API receives the query &amp; cause the start of whole process like embeddings of images, multi-modal LLM/VLM inferencing, saving generated sentences as embeddings FAISS,</a:t>
+            </a:r>
+            <a:endParaRPr>
+              <a:solidFill>
+                <a:schemeClr val="dk1"/>
+              </a:solidFill>
+            </a:endParaRPr>
+          </a:p>
+          <a:p>
+            <a:pPr indent="0" lvl="0" marL="0" rtl="0" algn="l">
+              <a:lnSpc>
+                <a:spcPct val="115000"/>
+              </a:lnSpc>
+              <a:spcBef>
+                <a:spcPts val="0"/>
+              </a:spcBef>
+              <a:spcAft>
+                <a:spcPts val="0"/>
+              </a:spcAft>
+              <a:buClr>
+                <a:schemeClr val="dk1"/>
+              </a:buClr>
+              <a:buSzPts val="1100"/>
+              <a:buFont typeface="Arial"/>
+              <a:buNone/>
+            </a:pPr>
+            <a:r>
+              <a:rPr lang="en-US">
+                <a:solidFill>
+                  <a:schemeClr val="dk1"/>
+                </a:solidFill>
+              </a:rPr>
+              <a:t>•It searches </a:t>
+            </a:r>
+            <a:r>
+              <a:rPr b="1" lang="en-US">
+                <a:solidFill>
+                  <a:schemeClr val="dk1"/>
+                </a:solidFill>
+              </a:rPr>
+              <a:t>FAISS</a:t>
+            </a:r>
+            <a:r>
+              <a:rPr lang="en-US">
+                <a:solidFill>
+                  <a:schemeClr val="dk1"/>
+                </a:solidFill>
+              </a:rPr>
+              <a:t> (stored LLM descriptions) for the </a:t>
+            </a:r>
+            <a:r>
+              <a:rPr b="1" lang="en-US">
+                <a:solidFill>
+                  <a:schemeClr val="dk1"/>
+                </a:solidFill>
+              </a:rPr>
+              <a:t>closest match</a:t>
+            </a:r>
+            <a:r>
+              <a:rPr lang="en-US">
+                <a:solidFill>
+                  <a:schemeClr val="dk1"/>
+                </a:solidFill>
+              </a:rPr>
+              <a:t>.</a:t>
+            </a:r>
+            <a:endParaRPr>
+              <a:solidFill>
+                <a:schemeClr val="dk1"/>
+              </a:solidFill>
+            </a:endParaRPr>
+          </a:p>
+          <a:p>
+            <a:pPr indent="0" lvl="0" marL="0" rtl="0" algn="l">
+              <a:lnSpc>
+                <a:spcPct val="115000"/>
+              </a:lnSpc>
+              <a:spcBef>
+                <a:spcPts val="0"/>
+              </a:spcBef>
+              <a:spcAft>
+                <a:spcPts val="0"/>
+              </a:spcAft>
+              <a:buNone/>
+            </a:pPr>
+            <a:r>
+              <a:rPr lang="en-US">
+                <a:solidFill>
+                  <a:schemeClr val="dk1"/>
+                </a:solidFill>
+              </a:rPr>
+              <a:t>•API returns the </a:t>
+            </a:r>
+            <a:r>
+              <a:rPr b="1" lang="en-US">
+                <a:solidFill>
+                  <a:schemeClr val="dk1"/>
+                </a:solidFill>
+              </a:rPr>
+              <a:t>best-matching object + coordinates</a:t>
+            </a:r>
+            <a:r>
+              <a:rPr lang="en-US">
+                <a:solidFill>
+                  <a:schemeClr val="dk1"/>
+                </a:solidFill>
+              </a:rPr>
+              <a:t>.</a:t>
+            </a:r>
+            <a:endParaRPr b="1" sz="1900" u="sng">
+              <a:solidFill>
+                <a:schemeClr val="dk1"/>
+              </a:solidFill>
+            </a:endParaRPr>
+          </a:p>
+        </p:txBody>
+      </p:sp>
+      <p:sp>
+        <p:nvSpPr>
+          <p:cNvPr id="111" name="Google Shape;111;g33cb3cc78c5_0_0"/>
+          <p:cNvSpPr txBox="1"/>
+          <p:nvPr/>
+        </p:nvSpPr>
+        <p:spPr>
+          <a:xfrm>
+            <a:off x="531925" y="377900"/>
+            <a:ext cx="5278200" cy="538800"/>
+          </a:xfrm>
+          <a:prstGeom prst="rect">
+            <a:avLst/>
+          </a:prstGeom>
+          <a:noFill/>
+          <a:ln>
+            <a:noFill/>
+          </a:ln>
+        </p:spPr>
+        <p:txBody>
+          <a:bodyPr anchorCtr="0" anchor="t" bIns="91425" lIns="91425" spcFirstLastPara="1" rIns="91425" wrap="square" tIns="91425">
+            <a:noAutofit/>
+          </a:bodyPr>
+          <a:lstStyle/>
+          <a:p>
+            <a:pPr indent="0" lvl="0" marL="0" rtl="0" algn="l">
+              <a:lnSpc>
+                <a:spcPct val="115000"/>
+              </a:lnSpc>
+              <a:spcBef>
+                <a:spcPts val="0"/>
+              </a:spcBef>
+              <a:spcAft>
+                <a:spcPts val="0"/>
+              </a:spcAft>
+              <a:buClr>
+                <a:schemeClr val="dk1"/>
+              </a:buClr>
+              <a:buSzPts val="1100"/>
+              <a:buFont typeface="Arial"/>
+              <a:buNone/>
+            </a:pPr>
+            <a:r>
+              <a:rPr b="1" lang="en-US" sz="2400">
+                <a:solidFill>
+                  <a:schemeClr val="dk1"/>
+                </a:solidFill>
+              </a:rPr>
+              <a:t>API-Driven Cloud Pipeline</a:t>
+            </a:r>
+            <a:endParaRPr b="1" sz="2400">
+              <a:solidFill>
+                <a:schemeClr val="dk1"/>
+              </a:solidFill>
+            </a:endParaRPr>
+          </a:p>
+          <a:p>
+            <a:pPr indent="0" lvl="0" marL="0" rtl="0" algn="l">
+              <a:spcBef>
+                <a:spcPts val="0"/>
+              </a:spcBef>
+              <a:spcAft>
+                <a:spcPts val="0"/>
+              </a:spcAft>
+              <a:buNone/>
+            </a:pPr>
+            <a:r>
+              <a:t/>
+            </a:r>
+            <a:endParaRPr sz="2800">
+              <a:solidFill>
+                <a:schemeClr val="dk1"/>
+              </a:solidFill>
+            </a:endParaRPr>
+          </a:p>
+        </p:txBody>
+      </p:sp>
+    </p:spTree>
+  </p:cSld>
+  <p:clrMapOvr>
+    <a:masterClrMapping/>
+  </p:clrMapOvr>
+</p:sld>
+</file>
+
+<file path=ppt/slides/slide3.xml><?xml version="1.0" encoding="utf-8"?>
+<p:sld xmlns:a="http://schemas.openxmlformats.org/drawingml/2006/main" xmlns:r="http://schemas.openxmlformats.org/officeDocument/2006/relationships" xmlns:mc="http://schemas.openxmlformats.org/markup-compatibility/2006" xmlns:mv="urn:schemas-microsoft-com:mac:vml" xmlns:p="http://schemas.openxmlformats.org/presentationml/2006/main" xmlns:c="http://schemas.openxmlformats.org/drawingml/2006/chart" xmlns:dgm="http://schemas.openxmlformats.org/drawingml/2006/diagram" xmlns:o="urn:schemas-microsoft-com:office:office" xmlns:v="urn:schemas-microsoft-com:vml" xmlns:pvml="urn:schemas-microsoft-com:office:powerpoint" xmlns:com="http://schemas.openxmlformats.org/drawingml/2006/compatibility" xmlns:p14="http://schemas.microsoft.com/office/powerpoint/2010/main" xmlns:p15="http://schemas.microsoft.com/office/powerpoint/2012/main" xmlns:ahyp="http://schemas.microsoft.com/office/drawing/2018/hyperlinkcolor">
+  <p:cSld>
+    <p:bg>
+      <p:bgPr>
+        <a:solidFill>
+          <a:srgbClr val="61605F"/>
+        </a:solidFill>
+      </p:bgPr>
+    </p:bg>
+    <p:spTree>
+      <p:nvGrpSpPr>
+        <p:cNvPr id="115" name="Shape 115"/>
+        <p:cNvGrpSpPr/>
+        <p:nvPr/>
+      </p:nvGrpSpPr>
+      <p:grpSpPr>
+        <a:xfrm>
+          <a:off x="0" y="0"/>
+          <a:ext cx="0" cy="0"/>
+          <a:chOff x="0" y="0"/>
+          <a:chExt cx="0" cy="0"/>
+        </a:xfrm>
+      </p:grpSpPr>
+      <p:sp>
+        <p:nvSpPr>
+          <p:cNvPr id="116" name="Google Shape;116;g2d64fe7fbcd_0_12"/>
           <p:cNvSpPr txBox="1"/>
           <p:nvPr/>
         </p:nvSpPr>
@@ -12349,7 +13803,7 @@
       </p:sp>
       <p:pic>
         <p:nvPicPr>
-          <p:cNvPr id="109" name="Google Shape;109;g2d64fe7fbcd_0_12"/>
+          <p:cNvPr id="117" name="Google Shape;117;g2d64fe7fbcd_0_12"/>
           <p:cNvPicPr preferRelativeResize="0"/>
           <p:nvPr/>
         </p:nvPicPr>
@@ -12377,7 +13831,7 @@
       </p:pic>
       <p:grpSp>
         <p:nvGrpSpPr>
-          <p:cNvPr id="110" name="Google Shape;110;g2d64fe7fbcd_0_12"/>
+          <p:cNvPr id="118" name="Google Shape;118;g2d64fe7fbcd_0_12"/>
           <p:cNvGrpSpPr/>
           <p:nvPr/>
         </p:nvGrpSpPr>
@@ -12391,7 +13845,7 @@
         </p:grpSpPr>
         <p:sp>
           <p:nvSpPr>
-            <p:cNvPr id="111" name="Google Shape;111;g2d64fe7fbcd_0_12"/>
+            <p:cNvPr id="119" name="Google Shape;119;g2d64fe7fbcd_0_12"/>
             <p:cNvSpPr/>
             <p:nvPr/>
           </p:nvSpPr>
@@ -12451,7 +13905,7 @@
         </p:sp>
         <p:pic>
           <p:nvPicPr>
-            <p:cNvPr id="112" name="Google Shape;112;g2d64fe7fbcd_0_12"/>
+            <p:cNvPr id="120" name="Google Shape;120;g2d64fe7fbcd_0_12"/>
             <p:cNvPicPr preferRelativeResize="0"/>
             <p:nvPr/>
           </p:nvPicPr>
@@ -12479,7 +13933,7 @@
         </p:pic>
         <p:sp>
           <p:nvSpPr>
-            <p:cNvPr id="113" name="Google Shape;113;g2d64fe7fbcd_0_12"/>
+            <p:cNvPr id="121" name="Google Shape;121;g2d64fe7fbcd_0_12"/>
             <p:cNvSpPr/>
             <p:nvPr/>
           </p:nvSpPr>
@@ -12601,7 +14055,7 @@
         </p:sp>
         <p:pic>
           <p:nvPicPr>
-            <p:cNvPr id="114" name="Google Shape;114;g2d64fe7fbcd_0_12"/>
+            <p:cNvPr id="122" name="Google Shape;122;g2d64fe7fbcd_0_12"/>
             <p:cNvPicPr preferRelativeResize="0"/>
             <p:nvPr/>
           </p:nvPicPr>
@@ -12629,7 +14083,7 @@
         </p:pic>
         <p:sp>
           <p:nvSpPr>
-            <p:cNvPr id="115" name="Google Shape;115;g2d64fe7fbcd_0_12"/>
+            <p:cNvPr id="123" name="Google Shape;123;g2d64fe7fbcd_0_12"/>
             <p:cNvSpPr txBox="1"/>
             <p:nvPr/>
           </p:nvSpPr>
@@ -12688,7 +14142,7 @@
       </p:grpSp>
       <p:sp>
         <p:nvSpPr>
-          <p:cNvPr id="116" name="Google Shape;116;g2d64fe7fbcd_0_12"/>
+          <p:cNvPr id="124" name="Google Shape;124;g2d64fe7fbcd_0_12"/>
           <p:cNvSpPr/>
           <p:nvPr/>
         </p:nvSpPr>
@@ -12745,7 +14199,7 @@
       </p:sp>
       <p:sp>
         <p:nvSpPr>
-          <p:cNvPr id="117" name="Google Shape;117;g2d64fe7fbcd_0_12"/>
+          <p:cNvPr id="125" name="Google Shape;125;g2d64fe7fbcd_0_12"/>
           <p:cNvSpPr/>
           <p:nvPr/>
         </p:nvSpPr>
@@ -12799,7 +14253,7 @@
       </p:sp>
       <p:sp>
         <p:nvSpPr>
-          <p:cNvPr id="118" name="Google Shape;118;g2d64fe7fbcd_0_12"/>
+          <p:cNvPr id="126" name="Google Shape;126;g2d64fe7fbcd_0_12"/>
           <p:cNvSpPr/>
           <p:nvPr/>
         </p:nvSpPr>
@@ -12853,7 +14307,7 @@
       </p:sp>
       <p:sp>
         <p:nvSpPr>
-          <p:cNvPr id="119" name="Google Shape;119;g2d64fe7fbcd_0_12"/>
+          <p:cNvPr id="127" name="Google Shape;127;g2d64fe7fbcd_0_12"/>
           <p:cNvSpPr txBox="1"/>
           <p:nvPr/>
         </p:nvSpPr>
@@ -12911,7 +14365,7 @@
       </p:sp>
       <p:pic>
         <p:nvPicPr>
-          <p:cNvPr id="120" name="Google Shape;120;g2d64fe7fbcd_0_12"/>
+          <p:cNvPr id="128" name="Google Shape;128;g2d64fe7fbcd_0_12"/>
           <p:cNvPicPr preferRelativeResize="0"/>
           <p:nvPr/>
         </p:nvPicPr>
@@ -12939,7 +14393,7 @@
       </p:pic>
       <p:sp>
         <p:nvSpPr>
-          <p:cNvPr id="121" name="Google Shape;121;g2d64fe7fbcd_0_12"/>
+          <p:cNvPr id="129" name="Google Shape;129;g2d64fe7fbcd_0_12"/>
           <p:cNvSpPr/>
           <p:nvPr/>
         </p:nvSpPr>
@@ -13002,7 +14456,7 @@
       </p:sp>
       <p:grpSp>
         <p:nvGrpSpPr>
-          <p:cNvPr id="122" name="Google Shape;122;g2d64fe7fbcd_0_12"/>
+          <p:cNvPr id="130" name="Google Shape;130;g2d64fe7fbcd_0_12"/>
           <p:cNvGrpSpPr/>
           <p:nvPr/>
         </p:nvGrpSpPr>
@@ -13016,7 +14470,7 @@
         </p:grpSpPr>
         <p:sp>
           <p:nvSpPr>
-            <p:cNvPr id="123" name="Google Shape;123;g2d64fe7fbcd_0_12"/>
+            <p:cNvPr id="131" name="Google Shape;131;g2d64fe7fbcd_0_12"/>
             <p:cNvSpPr/>
             <p:nvPr/>
           </p:nvSpPr>
@@ -13084,7 +14538,7 @@
         </p:sp>
         <p:pic>
           <p:nvPicPr>
-            <p:cNvPr id="124" name="Google Shape;124;g2d64fe7fbcd_0_12"/>
+            <p:cNvPr id="132" name="Google Shape;132;g2d64fe7fbcd_0_12"/>
             <p:cNvPicPr preferRelativeResize="0"/>
             <p:nvPr/>
           </p:nvPicPr>
@@ -13112,7 +14566,7 @@
         </p:pic>
         <p:sp>
           <p:nvSpPr>
-            <p:cNvPr id="125" name="Google Shape;125;g2d64fe7fbcd_0_12"/>
+            <p:cNvPr id="133" name="Google Shape;133;g2d64fe7fbcd_0_12"/>
             <p:cNvSpPr/>
             <p:nvPr/>
           </p:nvSpPr>
@@ -13234,7 +14688,7 @@
         </p:sp>
         <p:pic>
           <p:nvPicPr>
-            <p:cNvPr id="126" name="Google Shape;126;g2d64fe7fbcd_0_12"/>
+            <p:cNvPr id="134" name="Google Shape;134;g2d64fe7fbcd_0_12"/>
             <p:cNvPicPr preferRelativeResize="0"/>
             <p:nvPr/>
           </p:nvPicPr>
@@ -13262,7 +14716,7 @@
         </p:pic>
         <p:sp>
           <p:nvSpPr>
-            <p:cNvPr id="127" name="Google Shape;127;g2d64fe7fbcd_0_12"/>
+            <p:cNvPr id="135" name="Google Shape;135;g2d64fe7fbcd_0_12"/>
             <p:cNvSpPr txBox="1"/>
             <p:nvPr/>
           </p:nvSpPr>
@@ -13321,7 +14775,7 @@
       </p:grpSp>
       <p:sp>
         <p:nvSpPr>
-          <p:cNvPr id="128" name="Google Shape;128;g2d64fe7fbcd_0_12"/>
+          <p:cNvPr id="136" name="Google Shape;136;g2d64fe7fbcd_0_12"/>
           <p:cNvSpPr txBox="1"/>
           <p:nvPr>
             <p:ph idx="4294967295" type="title"/>
@@ -13353,7 +14807,7 @@
               <a:buNone/>
             </a:pPr>
             <a:r>
-              <a:rPr lang="en-US" sz="2800">
+              <a:rPr b="1" lang="en-US" sz="2800">
                 <a:solidFill>
                   <a:schemeClr val="lt1"/>
                 </a:solidFill>
@@ -13364,7 +14818,7 @@
               </a:rPr>
               <a:t>Advanced Use Cases:</a:t>
             </a:r>
-            <a:endParaRPr sz="2800">
+            <a:endParaRPr b="1" sz="2800">
               <a:solidFill>
                 <a:schemeClr val="lt1"/>
               </a:solidFill>
@@ -13378,7 +14832,7 @@
       </p:sp>
       <p:pic>
         <p:nvPicPr>
-          <p:cNvPr id="129" name="Google Shape;129;g2d64fe7fbcd_0_12"/>
+          <p:cNvPr id="137" name="Google Shape;137;g2d64fe7fbcd_0_12"/>
           <p:cNvPicPr preferRelativeResize="0"/>
           <p:nvPr/>
         </p:nvPicPr>
@@ -13406,7 +14860,7 @@
       </p:pic>
       <p:pic>
         <p:nvPicPr>
-          <p:cNvPr id="130" name="Google Shape;130;g2d64fe7fbcd_0_12"/>
+          <p:cNvPr id="138" name="Google Shape;138;g2d64fe7fbcd_0_12"/>
           <p:cNvPicPr preferRelativeResize="0"/>
           <p:nvPr/>
         </p:nvPicPr>
@@ -13440,7 +14894,727 @@
 </p:sld>
 </file>
 
+<file path=ppt/slides/slide4.xml><?xml version="1.0" encoding="utf-8"?>
+<p:sld xmlns:a="http://schemas.openxmlformats.org/drawingml/2006/main" xmlns:r="http://schemas.openxmlformats.org/officeDocument/2006/relationships" xmlns:mc="http://schemas.openxmlformats.org/markup-compatibility/2006" xmlns:mv="urn:schemas-microsoft-com:mac:vml" xmlns:p="http://schemas.openxmlformats.org/presentationml/2006/main" xmlns:c="http://schemas.openxmlformats.org/drawingml/2006/chart" xmlns:dgm="http://schemas.openxmlformats.org/drawingml/2006/diagram" xmlns:o="urn:schemas-microsoft-com:office:office" xmlns:v="urn:schemas-microsoft-com:vml" xmlns:pvml="urn:schemas-microsoft-com:office:powerpoint" xmlns:com="http://schemas.openxmlformats.org/drawingml/2006/compatibility" xmlns:p14="http://schemas.microsoft.com/office/powerpoint/2010/main" xmlns:p15="http://schemas.microsoft.com/office/powerpoint/2012/main" xmlns:ahyp="http://schemas.microsoft.com/office/drawing/2018/hyperlinkcolor">
+  <p:cSld>
+    <p:bg>
+      <p:bgPr>
+        <a:solidFill>
+          <a:srgbClr val="61605F"/>
+        </a:solidFill>
+      </p:bgPr>
+    </p:bg>
+    <p:spTree>
+      <p:nvGrpSpPr>
+        <p:cNvPr id="142" name="Shape 142"/>
+        <p:cNvGrpSpPr/>
+        <p:nvPr/>
+      </p:nvGrpSpPr>
+      <p:grpSpPr>
+        <a:xfrm>
+          <a:off x="0" y="0"/>
+          <a:ext cx="0" cy="0"/>
+          <a:chOff x="0" y="0"/>
+          <a:chExt cx="0" cy="0"/>
+        </a:xfrm>
+      </p:grpSpPr>
+      <p:sp>
+        <p:nvSpPr>
+          <p:cNvPr id="143" name="Google Shape;143;g31cd6d2581a_0_7"/>
+          <p:cNvSpPr txBox="1"/>
+          <p:nvPr/>
+        </p:nvSpPr>
+        <p:spPr>
+          <a:xfrm>
+            <a:off x="-56800" y="-902533"/>
+            <a:ext cx="5541900" cy="446400"/>
+          </a:xfrm>
+          <a:prstGeom prst="rect">
+            <a:avLst/>
+          </a:prstGeom>
+          <a:noFill/>
+          <a:ln>
+            <a:noFill/>
+          </a:ln>
+        </p:spPr>
+        <p:txBody>
+          <a:bodyPr anchorCtr="0" anchor="t" bIns="121900" lIns="121900" spcFirstLastPara="1" rIns="121900" wrap="square" tIns="121900">
+            <a:spAutoFit/>
+          </a:bodyPr>
+          <a:lstStyle/>
+          <a:p>
+            <a:pPr indent="0" lvl="0" marL="0" rtl="0" algn="l">
+              <a:spcBef>
+                <a:spcPts val="0"/>
+              </a:spcBef>
+              <a:spcAft>
+                <a:spcPts val="0"/>
+              </a:spcAft>
+              <a:buNone/>
+            </a:pPr>
+            <a:r>
+              <a:t/>
+            </a:r>
+            <a:endParaRPr sz="1300">
+              <a:solidFill>
+                <a:srgbClr val="032F54"/>
+              </a:solidFill>
+              <a:latin typeface="Roboto"/>
+              <a:ea typeface="Roboto"/>
+              <a:cs typeface="Roboto"/>
+              <a:sym typeface="Roboto"/>
+            </a:endParaRPr>
+          </a:p>
+        </p:txBody>
+      </p:sp>
+      <p:sp>
+        <p:nvSpPr>
+          <p:cNvPr id="144" name="Google Shape;144;g31cd6d2581a_0_7"/>
+          <p:cNvSpPr txBox="1"/>
+          <p:nvPr>
+            <p:ph idx="4294967295" type="title"/>
+          </p:nvPr>
+        </p:nvSpPr>
+        <p:spPr>
+          <a:xfrm>
+            <a:off x="567200" y="429675"/>
+            <a:ext cx="6939600" cy="524700"/>
+          </a:xfrm>
+          <a:prstGeom prst="rect">
+            <a:avLst/>
+          </a:prstGeom>
+        </p:spPr>
+        <p:txBody>
+          <a:bodyPr anchorCtr="0" anchor="ctr" bIns="45700" lIns="91425" spcFirstLastPara="1" rIns="91425" wrap="square" tIns="45700">
+            <a:noAutofit/>
+          </a:bodyPr>
+          <a:lstStyle/>
+          <a:p>
+            <a:pPr indent="0" lvl="0" marL="0" rtl="0" algn="l">
+              <a:spcBef>
+                <a:spcPts val="0"/>
+              </a:spcBef>
+              <a:spcAft>
+                <a:spcPts val="0"/>
+              </a:spcAft>
+              <a:buSzPts val="990"/>
+              <a:buNone/>
+            </a:pPr>
+            <a:r>
+              <a:rPr b="1" lang="en-US" sz="3000">
+                <a:solidFill>
+                  <a:schemeClr val="lt1"/>
+                </a:solidFill>
+                <a:latin typeface="Roboto"/>
+                <a:ea typeface="Roboto"/>
+                <a:cs typeface="Roboto"/>
+                <a:sym typeface="Roboto"/>
+              </a:rPr>
+              <a:t>Multi attribute detection</a:t>
+            </a:r>
+            <a:r>
+              <a:rPr lang="en-US" sz="2800">
+                <a:solidFill>
+                  <a:schemeClr val="lt1"/>
+                </a:solidFill>
+                <a:latin typeface="Arial"/>
+                <a:ea typeface="Arial"/>
+                <a:cs typeface="Arial"/>
+                <a:sym typeface="Arial"/>
+              </a:rPr>
+              <a:t>:</a:t>
+            </a:r>
+            <a:endParaRPr sz="2800">
+              <a:solidFill>
+                <a:schemeClr val="lt1"/>
+              </a:solidFill>
+              <a:latin typeface="Arial"/>
+              <a:ea typeface="Arial"/>
+              <a:cs typeface="Arial"/>
+              <a:sym typeface="Arial"/>
+            </a:endParaRPr>
+          </a:p>
+        </p:txBody>
+      </p:sp>
+      <p:pic>
+        <p:nvPicPr>
+          <p:cNvPr id="145" name="Google Shape;145;g31cd6d2581a_0_7"/>
+          <p:cNvPicPr preferRelativeResize="0"/>
+          <p:nvPr/>
+        </p:nvPicPr>
+        <p:blipFill>
+          <a:blip r:embed="rId3">
+            <a:alphaModFix/>
+          </a:blip>
+          <a:stretch>
+            <a:fillRect/>
+          </a:stretch>
+        </p:blipFill>
+        <p:spPr>
+          <a:xfrm>
+            <a:off x="219825" y="954375"/>
+            <a:ext cx="11510176" cy="5473374"/>
+          </a:xfrm>
+          <a:prstGeom prst="rect">
+            <a:avLst/>
+          </a:prstGeom>
+          <a:noFill/>
+          <a:ln>
+            <a:noFill/>
+          </a:ln>
+        </p:spPr>
+      </p:pic>
+    </p:spTree>
+  </p:cSld>
+  <p:clrMapOvr>
+    <a:masterClrMapping/>
+  </p:clrMapOvr>
+</p:sld>
+</file>
+
+<file path=ppt/slides/slide5.xml><?xml version="1.0" encoding="utf-8"?>
+<p:sld xmlns:a="http://schemas.openxmlformats.org/drawingml/2006/main" xmlns:r="http://schemas.openxmlformats.org/officeDocument/2006/relationships" xmlns:mc="http://schemas.openxmlformats.org/markup-compatibility/2006" xmlns:mv="urn:schemas-microsoft-com:mac:vml" xmlns:p="http://schemas.openxmlformats.org/presentationml/2006/main" xmlns:c="http://schemas.openxmlformats.org/drawingml/2006/chart" xmlns:dgm="http://schemas.openxmlformats.org/drawingml/2006/diagram" xmlns:o="urn:schemas-microsoft-com:office:office" xmlns:v="urn:schemas-microsoft-com:vml" xmlns:pvml="urn:schemas-microsoft-com:office:powerpoint" xmlns:com="http://schemas.openxmlformats.org/drawingml/2006/compatibility" xmlns:p14="http://schemas.microsoft.com/office/powerpoint/2010/main" xmlns:p15="http://schemas.microsoft.com/office/powerpoint/2012/main" xmlns:ahyp="http://schemas.microsoft.com/office/drawing/2018/hyperlinkcolor">
+  <p:cSld>
+    <p:bg>
+      <p:bgPr>
+        <a:solidFill>
+          <a:srgbClr val="61605F"/>
+        </a:solidFill>
+      </p:bgPr>
+    </p:bg>
+    <p:spTree>
+      <p:nvGrpSpPr>
+        <p:cNvPr id="149" name="Shape 149"/>
+        <p:cNvGrpSpPr/>
+        <p:nvPr/>
+      </p:nvGrpSpPr>
+      <p:grpSpPr>
+        <a:xfrm>
+          <a:off x="0" y="0"/>
+          <a:ext cx="0" cy="0"/>
+          <a:chOff x="0" y="0"/>
+          <a:chExt cx="0" cy="0"/>
+        </a:xfrm>
+      </p:grpSpPr>
+      <p:sp>
+        <p:nvSpPr>
+          <p:cNvPr id="150" name="Google Shape;150;g31cd6d2581a_0_35"/>
+          <p:cNvSpPr txBox="1"/>
+          <p:nvPr/>
+        </p:nvSpPr>
+        <p:spPr>
+          <a:xfrm>
+            <a:off x="-56800" y="-902533"/>
+            <a:ext cx="5541900" cy="446400"/>
+          </a:xfrm>
+          <a:prstGeom prst="rect">
+            <a:avLst/>
+          </a:prstGeom>
+          <a:noFill/>
+          <a:ln>
+            <a:noFill/>
+          </a:ln>
+        </p:spPr>
+        <p:txBody>
+          <a:bodyPr anchorCtr="0" anchor="t" bIns="121900" lIns="121900" spcFirstLastPara="1" rIns="121900" wrap="square" tIns="121900">
+            <a:spAutoFit/>
+          </a:bodyPr>
+          <a:lstStyle/>
+          <a:p>
+            <a:pPr indent="0" lvl="0" marL="0" rtl="0" algn="l">
+              <a:spcBef>
+                <a:spcPts val="0"/>
+              </a:spcBef>
+              <a:spcAft>
+                <a:spcPts val="0"/>
+              </a:spcAft>
+              <a:buNone/>
+            </a:pPr>
+            <a:r>
+              <a:t/>
+            </a:r>
+            <a:endParaRPr sz="1300">
+              <a:solidFill>
+                <a:srgbClr val="032F54"/>
+              </a:solidFill>
+              <a:latin typeface="Roboto"/>
+              <a:ea typeface="Roboto"/>
+              <a:cs typeface="Roboto"/>
+              <a:sym typeface="Roboto"/>
+            </a:endParaRPr>
+          </a:p>
+        </p:txBody>
+      </p:sp>
+      <p:sp>
+        <p:nvSpPr>
+          <p:cNvPr id="151" name="Google Shape;151;g31cd6d2581a_0_35"/>
+          <p:cNvSpPr txBox="1"/>
+          <p:nvPr>
+            <p:ph idx="4294967295" type="title"/>
+          </p:nvPr>
+        </p:nvSpPr>
+        <p:spPr>
+          <a:xfrm>
+            <a:off x="567200" y="429675"/>
+            <a:ext cx="9144600" cy="524700"/>
+          </a:xfrm>
+          <a:prstGeom prst="rect">
+            <a:avLst/>
+          </a:prstGeom>
+        </p:spPr>
+        <p:txBody>
+          <a:bodyPr anchorCtr="0" anchor="ctr" bIns="45700" lIns="91425" spcFirstLastPara="1" rIns="91425" wrap="square" tIns="45700">
+            <a:noAutofit/>
+          </a:bodyPr>
+          <a:lstStyle/>
+          <a:p>
+            <a:pPr indent="0" lvl="0" marL="0" rtl="0" algn="l">
+              <a:spcBef>
+                <a:spcPts val="0"/>
+              </a:spcBef>
+              <a:spcAft>
+                <a:spcPts val="0"/>
+              </a:spcAft>
+              <a:buSzPts val="990"/>
+              <a:buNone/>
+            </a:pPr>
+            <a:r>
+              <a:rPr b="1" lang="en-US" sz="3000">
+                <a:solidFill>
+                  <a:schemeClr val="lt1"/>
+                </a:solidFill>
+                <a:latin typeface="Roboto"/>
+                <a:ea typeface="Roboto"/>
+                <a:cs typeface="Roboto"/>
+                <a:sym typeface="Roboto"/>
+              </a:rPr>
+              <a:t>Multi attribute detection and Path traverse</a:t>
+            </a:r>
+            <a:r>
+              <a:rPr lang="en-US" sz="2800">
+                <a:solidFill>
+                  <a:schemeClr val="lt1"/>
+                </a:solidFill>
+                <a:latin typeface="Arial"/>
+                <a:ea typeface="Arial"/>
+                <a:cs typeface="Arial"/>
+                <a:sym typeface="Arial"/>
+              </a:rPr>
+              <a:t>:</a:t>
+            </a:r>
+            <a:endParaRPr sz="2800">
+              <a:solidFill>
+                <a:schemeClr val="lt1"/>
+              </a:solidFill>
+              <a:latin typeface="Arial"/>
+              <a:ea typeface="Arial"/>
+              <a:cs typeface="Arial"/>
+              <a:sym typeface="Arial"/>
+            </a:endParaRPr>
+          </a:p>
+        </p:txBody>
+      </p:sp>
+      <p:pic>
+        <p:nvPicPr>
+          <p:cNvPr id="152" name="Google Shape;152;g31cd6d2581a_0_35" title="Final_demo.mp4">
+            <a:hlinkClick r:id="rId3"/>
+          </p:cNvPr>
+          <p:cNvPicPr preferRelativeResize="0"/>
+          <p:nvPr/>
+        </p:nvPicPr>
+        <p:blipFill>
+          <a:blip r:embed="rId4">
+            <a:alphaModFix/>
+          </a:blip>
+          <a:stretch>
+            <a:fillRect/>
+          </a:stretch>
+        </p:blipFill>
+        <p:spPr>
+          <a:xfrm>
+            <a:off x="1119263" y="954375"/>
+            <a:ext cx="9953467" cy="5598825"/>
+          </a:xfrm>
+          <a:prstGeom prst="rect">
+            <a:avLst/>
+          </a:prstGeom>
+          <a:noFill/>
+          <a:ln>
+            <a:noFill/>
+          </a:ln>
+        </p:spPr>
+      </p:pic>
+    </p:spTree>
+  </p:cSld>
+  <p:clrMapOvr>
+    <a:masterClrMapping/>
+  </p:clrMapOvr>
+  <p:timing>
+    <p:tnLst>
+      <p:par>
+        <p:cTn dur="indefinite" nodeType="tmRoot" restart="never">
+          <p:childTnLst>
+            <p:seq concurrent="1" nextAc="seek">
+              <p:cTn dur="indefinite" id="2" nodeType="mainSeq">
+                <p:childTnLst>
+                  <p:par>
+                    <p:cTn fill="hold">
+                      <p:stCondLst>
+                        <p:cond delay="indefinite"/>
+                      </p:stCondLst>
+                      <p:childTnLst>
+                        <p:par>
+                          <p:cTn fill="hold">
+                            <p:stCondLst>
+                              <p:cond delay="0"/>
+                            </p:stCondLst>
+                            <p:childTnLst>
+                              <p:par>
+                                <p:cTn fill="hold" nodeType="clickEffect" presetClass="entr" presetID="10" presetSubtype="0">
+                                  <p:stCondLst>
+                                    <p:cond delay="0"/>
+                                  </p:stCondLst>
+                                  <p:childTnLst>
+                                    <p:set>
+                                      <p:cBhvr>
+                                        <p:cTn dur="1" fill="hold">
+                                          <p:stCondLst>
+                                            <p:cond delay="0"/>
+                                          </p:stCondLst>
+                                        </p:cTn>
+                                        <p:tgtEl>
+                                          <p:spTgt spid="152"/>
+                                        </p:tgtEl>
+                                        <p:attrNameLst>
+                                          <p:attrName>style.visibility</p:attrName>
+                                        </p:attrNameLst>
+                                      </p:cBhvr>
+                                      <p:to>
+                                        <p:strVal val="visible"/>
+                                      </p:to>
+                                    </p:set>
+                                    <p:animEffect filter="fade" transition="in">
+                                      <p:cBhvr>
+                                        <p:cTn dur="1000"/>
+                                        <p:tgtEl>
+                                          <p:spTgt spid="152"/>
+                                        </p:tgtEl>
+                                      </p:cBhvr>
+                                    </p:animEffect>
+                                  </p:childTnLst>
+                                </p:cTn>
+                              </p:par>
+                            </p:childTnLst>
+                          </p:cTn>
+                        </p:par>
+                      </p:childTnLst>
+                    </p:cTn>
+                  </p:par>
+                </p:childTnLst>
+              </p:cTn>
+              <p:prevCondLst>
+                <p:cond evt="onPrev">
+                  <p:tgtEl>
+                    <p:sldTgt/>
+                  </p:tgtEl>
+                </p:cond>
+              </p:prevCondLst>
+              <p:nextCondLst>
+                <p:cond evt="onNext">
+                  <p:tgtEl>
+                    <p:sldTgt/>
+                  </p:tgtEl>
+                </p:cond>
+              </p:nextCondLst>
+            </p:seq>
+          </p:childTnLst>
+        </p:cTn>
+      </p:par>
+    </p:tnLst>
+  </p:timing>
+</p:sld>
+</file>
+
 <file path=ppt/theme/theme1.xml><?xml version="1.0" encoding="utf-8"?>
+<a:theme xmlns:a="http://schemas.openxmlformats.org/drawingml/2006/main" xmlns:r="http://schemas.openxmlformats.org/officeDocument/2006/relationships" name="Office Theme">
+  <a:themeElements>
+    <a:clrScheme name="Office">
+      <a:dk1>
+        <a:srgbClr val="000000"/>
+      </a:dk1>
+      <a:lt1>
+        <a:srgbClr val="FFFFFF"/>
+      </a:lt1>
+      <a:dk2>
+        <a:srgbClr val="0E2841"/>
+      </a:dk2>
+      <a:lt2>
+        <a:srgbClr val="E8E8E8"/>
+      </a:lt2>
+      <a:accent1>
+        <a:srgbClr val="156082"/>
+      </a:accent1>
+      <a:accent2>
+        <a:srgbClr val="E97132"/>
+      </a:accent2>
+      <a:accent3>
+        <a:srgbClr val="196B24"/>
+      </a:accent3>
+      <a:accent4>
+        <a:srgbClr val="0F9ED5"/>
+      </a:accent4>
+      <a:accent5>
+        <a:srgbClr val="A02B93"/>
+      </a:accent5>
+      <a:accent6>
+        <a:srgbClr val="4EA72E"/>
+      </a:accent6>
+      <a:hlink>
+        <a:srgbClr val="467886"/>
+      </a:hlink>
+      <a:folHlink>
+        <a:srgbClr val="96607D"/>
+      </a:folHlink>
+    </a:clrScheme>
+    <a:fontScheme name="Office">
+      <a:majorFont>
+        <a:latin typeface="Arial"/>
+        <a:ea typeface=""/>
+        <a:cs typeface=""/>
+        <a:font script="Jpan" typeface="ＭＳ Ｐゴシック"/>
+        <a:font script="Hang" typeface="맑은 고딕"/>
+        <a:font script="Hans" typeface="宋体"/>
+        <a:font script="Hant" typeface="新細明體"/>
+        <a:font script="Arab" typeface="Times New Roman"/>
+        <a:font script="Hebr" typeface="Times New Roman"/>
+        <a:font script="Thai" typeface="Angsana New"/>
+        <a:font script="Ethi" typeface="Nyala"/>
+        <a:font script="Beng" typeface="Vrinda"/>
+        <a:font script="Gujr" typeface="Shruti"/>
+        <a:font script="Khmr" typeface="MoolBoran"/>
+        <a:font script="Knda" typeface="Tunga"/>
+        <a:font script="Guru" typeface="Raavi"/>
+        <a:font script="Cans" typeface="Euphemia"/>
+        <a:font script="Cher" typeface="Plantagenet Cherokee"/>
+        <a:font script="Yiii" typeface="Microsoft Yi Baiti"/>
+        <a:font script="Tibt" typeface="Microsoft Himalaya"/>
+        <a:font script="Thaa" typeface="MV Boli"/>
+        <a:font script="Deva" typeface="Mangal"/>
+        <a:font script="Telu" typeface="Gautami"/>
+        <a:font script="Taml" typeface="Latha"/>
+        <a:font script="Syrc" typeface="Estrangelo Edessa"/>
+        <a:font script="Orya" typeface="Kalinga"/>
+        <a:font script="Mlym" typeface="Kartika"/>
+        <a:font script="Laoo" typeface="DokChampa"/>
+        <a:font script="Sinh" typeface="Iskoola Pota"/>
+        <a:font script="Mong" typeface="Mongolian Baiti"/>
+        <a:font script="Viet" typeface="Times New Roman"/>
+        <a:font script="Uigh" typeface="Microsoft Uighur"/>
+        <a:font script="Geor" typeface="Sylfaen"/>
+      </a:majorFont>
+      <a:minorFont>
+        <a:latin typeface="Arial"/>
+        <a:ea typeface=""/>
+        <a:cs typeface=""/>
+        <a:font script="Jpan" typeface="ＭＳ Ｐゴシック"/>
+        <a:font script="Hang" typeface="맑은 고딕"/>
+        <a:font script="Hans" typeface="宋体"/>
+        <a:font script="Hant" typeface="新細明體"/>
+        <a:font script="Arab" typeface="Arial"/>
+        <a:font script="Hebr" typeface="Arial"/>
+        <a:font script="Thai" typeface="Cordia New"/>
+        <a:font script="Ethi" typeface="Nyala"/>
+        <a:font script="Beng" typeface="Vrinda"/>
+        <a:font script="Gujr" typeface="Shruti"/>
+        <a:font script="Khmr" typeface="DaunPenh"/>
+        <a:font script="Knda" typeface="Tunga"/>
+        <a:font script="Guru" typeface="Raavi"/>
+        <a:font script="Cans" typeface="Euphemia"/>
+        <a:font script="Cher" typeface="Plantagenet Cherokee"/>
+        <a:font script="Yiii" typeface="Microsoft Yi Baiti"/>
+        <a:font script="Tibt" typeface="Microsoft Himalaya"/>
+        <a:font script="Thaa" typeface="MV Boli"/>
+        <a:font script="Deva" typeface="Mangal"/>
+        <a:font script="Telu" typeface="Gautami"/>
+        <a:font script="Taml" typeface="Latha"/>
+        <a:font script="Syrc" typeface="Estrangelo Edessa"/>
+        <a:font script="Orya" typeface="Kalinga"/>
+        <a:font script="Mlym" typeface="Kartika"/>
+        <a:font script="Laoo" typeface="DokChampa"/>
+        <a:font script="Sinh" typeface="Iskoola Pota"/>
+        <a:font script="Mong" typeface="Mongolian Baiti"/>
+        <a:font script="Viet" typeface="Arial"/>
+        <a:font script="Uigh" typeface="Microsoft Uighur"/>
+        <a:font script="Geor" typeface="Sylfaen"/>
+      </a:minorFont>
+    </a:fontScheme>
+    <a:fmtScheme name="Office">
+      <a:fillStyleLst>
+        <a:solidFill>
+          <a:schemeClr val="phClr"/>
+        </a:solidFill>
+        <a:gradFill rotWithShape="1">
+          <a:gsLst>
+            <a:gs pos="0">
+              <a:schemeClr val="phClr">
+                <a:tint val="50000"/>
+                <a:satMod val="300000"/>
+              </a:schemeClr>
+            </a:gs>
+            <a:gs pos="35000">
+              <a:schemeClr val="phClr">
+                <a:tint val="37000"/>
+                <a:satMod val="300000"/>
+              </a:schemeClr>
+            </a:gs>
+            <a:gs pos="100000">
+              <a:schemeClr val="phClr">
+                <a:tint val="15000"/>
+                <a:satMod val="350000"/>
+              </a:schemeClr>
+            </a:gs>
+          </a:gsLst>
+          <a:lin ang="16200000" scaled="1"/>
+        </a:gradFill>
+        <a:gradFill rotWithShape="1">
+          <a:gsLst>
+            <a:gs pos="0">
+              <a:schemeClr val="phClr">
+                <a:tint val="100000"/>
+                <a:shade val="100000"/>
+                <a:satMod val="130000"/>
+              </a:schemeClr>
+            </a:gs>
+            <a:gs pos="100000">
+              <a:schemeClr val="phClr">
+                <a:tint val="50000"/>
+                <a:shade val="100000"/>
+                <a:satMod val="350000"/>
+              </a:schemeClr>
+            </a:gs>
+          </a:gsLst>
+          <a:lin ang="16200000" scaled="0"/>
+        </a:gradFill>
+      </a:fillStyleLst>
+      <a:lnStyleLst>
+        <a:ln w="9525" cap="flat" cmpd="sng" algn="ctr">
+          <a:solidFill>
+            <a:schemeClr val="phClr">
+              <a:shade val="95000"/>
+              <a:satMod val="105000"/>
+            </a:schemeClr>
+          </a:solidFill>
+          <a:prstDash val="solid"/>
+        </a:ln>
+        <a:ln w="25400" cap="flat" cmpd="sng" algn="ctr">
+          <a:solidFill>
+            <a:schemeClr val="phClr"/>
+          </a:solidFill>
+          <a:prstDash val="solid"/>
+        </a:ln>
+        <a:ln w="38100" cap="flat" cmpd="sng" algn="ctr">
+          <a:solidFill>
+            <a:schemeClr val="phClr"/>
+          </a:solidFill>
+          <a:prstDash val="solid"/>
+        </a:ln>
+      </a:lnStyleLst>
+      <a:effectStyleLst>
+        <a:effectStyle>
+          <a:effectLst>
+            <a:outerShdw blurRad="40000" dist="20000" dir="5400000" rotWithShape="0">
+              <a:srgbClr val="000000">
+                <a:alpha val="38000"/>
+              </a:srgbClr>
+            </a:outerShdw>
+          </a:effectLst>
+        </a:effectStyle>
+        <a:effectStyle>
+          <a:effectLst>
+            <a:outerShdw blurRad="40000" dist="23000" dir="5400000" rotWithShape="0">
+              <a:srgbClr val="000000">
+                <a:alpha val="35000"/>
+              </a:srgbClr>
+            </a:outerShdw>
+          </a:effectLst>
+        </a:effectStyle>
+        <a:effectStyle>
+          <a:effectLst>
+            <a:outerShdw blurRad="40000" dist="23000" dir="5400000" rotWithShape="0">
+              <a:srgbClr val="000000">
+                <a:alpha val="35000"/>
+              </a:srgbClr>
+            </a:outerShdw>
+          </a:effectLst>
+          <a:scene3d>
+            <a:camera prst="orthographicFront">
+              <a:rot lat="0" lon="0" rev="0"/>
+            </a:camera>
+            <a:lightRig rig="threePt" dir="t">
+              <a:rot lat="0" lon="0" rev="1200000"/>
+            </a:lightRig>
+          </a:scene3d>
+          <a:sp3d>
+            <a:bevelT w="63500" h="25400"/>
+          </a:sp3d>
+        </a:effectStyle>
+      </a:effectStyleLst>
+      <a:bgFillStyleLst>
+        <a:solidFill>
+          <a:schemeClr val="phClr"/>
+        </a:solidFill>
+        <a:gradFill rotWithShape="1">
+          <a:gsLst>
+            <a:gs pos="0">
+              <a:schemeClr val="phClr">
+                <a:tint val="40000"/>
+                <a:satMod val="350000"/>
+              </a:schemeClr>
+            </a:gs>
+            <a:gs pos="40000">
+              <a:schemeClr val="phClr">
+                <a:tint val="45000"/>
+                <a:shade val="99000"/>
+                <a:satMod val="350000"/>
+              </a:schemeClr>
+            </a:gs>
+            <a:gs pos="100000">
+              <a:schemeClr val="phClr">
+                <a:shade val="20000"/>
+                <a:satMod val="255000"/>
+              </a:schemeClr>
+            </a:gs>
+          </a:gsLst>
+          <a:path path="circle">
+            <a:fillToRect l="50000" t="-80000" r="50000" b="180000"/>
+          </a:path>
+        </a:gradFill>
+        <a:gradFill rotWithShape="1">
+          <a:gsLst>
+            <a:gs pos="0">
+              <a:schemeClr val="phClr">
+                <a:tint val="80000"/>
+                <a:satMod val="300000"/>
+              </a:schemeClr>
+            </a:gs>
+            <a:gs pos="100000">
+              <a:schemeClr val="phClr">
+                <a:shade val="30000"/>
+                <a:satMod val="200000"/>
+              </a:schemeClr>
+            </a:gs>
+          </a:gsLst>
+          <a:path path="circle">
+            <a:fillToRect l="50000" t="50000" r="50000" b="50000"/>
+          </a:path>
+        </a:gradFill>
+      </a:bgFillStyleLst>
+    </a:fmtScheme>
+  </a:themeElements>
+</a:theme>
+</file>
+
+<file path=ppt/theme/theme2.xml><?xml version="1.0" encoding="utf-8"?>
 <a:theme xmlns:a="http://schemas.openxmlformats.org/drawingml/2006/main" xmlns:r="http://schemas.openxmlformats.org/officeDocument/2006/relationships">
   <a:themeElements>
     <a:clrScheme name="Default">
@@ -13717,283 +15891,4 @@
     </a:fmtScheme>
   </a:themeElements>
 </a:theme>
-</file>
-
-<file path=ppt/theme/theme2.xml><?xml version="1.0" encoding="utf-8"?>
-<a:theme xmlns:a="http://schemas.openxmlformats.org/drawingml/2006/main" xmlns:r="http://schemas.openxmlformats.org/officeDocument/2006/relationships" name="Office Theme">
-  <a:themeElements>
-    <a:clrScheme name="Office">
-      <a:dk1>
-        <a:srgbClr val="000000"/>
-      </a:dk1>
-      <a:lt1>
-        <a:srgbClr val="FFFFFF"/>
-      </a:lt1>
-      <a:dk2>
-        <a:srgbClr val="0E2841"/>
-      </a:dk2>
-      <a:lt2>
-        <a:srgbClr val="E8E8E8"/>
-      </a:lt2>
-      <a:accent1>
-        <a:srgbClr val="156082"/>
-      </a:accent1>
-      <a:accent2>
-        <a:srgbClr val="E97132"/>
-      </a:accent2>
-      <a:accent3>
-        <a:srgbClr val="196B24"/>
-      </a:accent3>
-      <a:accent4>
-        <a:srgbClr val="0F9ED5"/>
-      </a:accent4>
-      <a:accent5>
-        <a:srgbClr val="A02B93"/>
-      </a:accent5>
-      <a:accent6>
-        <a:srgbClr val="4EA72E"/>
-      </a:accent6>
-      <a:hlink>
-        <a:srgbClr val="467886"/>
-      </a:hlink>
-      <a:folHlink>
-        <a:srgbClr val="96607D"/>
-      </a:folHlink>
-    </a:clrScheme>
-    <a:fontScheme name="Office">
-      <a:majorFont>
-        <a:latin typeface="Arial"/>
-        <a:ea typeface=""/>
-        <a:cs typeface=""/>
-        <a:font script="Jpan" typeface="ＭＳ Ｐゴシック"/>
-        <a:font script="Hang" typeface="맑은 고딕"/>
-        <a:font script="Hans" typeface="宋体"/>
-        <a:font script="Hant" typeface="新細明體"/>
-        <a:font script="Arab" typeface="Times New Roman"/>
-        <a:font script="Hebr" typeface="Times New Roman"/>
-        <a:font script="Thai" typeface="Angsana New"/>
-        <a:font script="Ethi" typeface="Nyala"/>
-        <a:font script="Beng" typeface="Vrinda"/>
-        <a:font script="Gujr" typeface="Shruti"/>
-        <a:font script="Khmr" typeface="MoolBoran"/>
-        <a:font script="Knda" typeface="Tunga"/>
-        <a:font script="Guru" typeface="Raavi"/>
-        <a:font script="Cans" typeface="Euphemia"/>
-        <a:font script="Cher" typeface="Plantagenet Cherokee"/>
-        <a:font script="Yiii" typeface="Microsoft Yi Baiti"/>
-        <a:font script="Tibt" typeface="Microsoft Himalaya"/>
-        <a:font script="Thaa" typeface="MV Boli"/>
-        <a:font script="Deva" typeface="Mangal"/>
-        <a:font script="Telu" typeface="Gautami"/>
-        <a:font script="Taml" typeface="Latha"/>
-        <a:font script="Syrc" typeface="Estrangelo Edessa"/>
-        <a:font script="Orya" typeface="Kalinga"/>
-        <a:font script="Mlym" typeface="Kartika"/>
-        <a:font script="Laoo" typeface="DokChampa"/>
-        <a:font script="Sinh" typeface="Iskoola Pota"/>
-        <a:font script="Mong" typeface="Mongolian Baiti"/>
-        <a:font script="Viet" typeface="Times New Roman"/>
-        <a:font script="Uigh" typeface="Microsoft Uighur"/>
-        <a:font script="Geor" typeface="Sylfaen"/>
-      </a:majorFont>
-      <a:minorFont>
-        <a:latin typeface="Arial"/>
-        <a:ea typeface=""/>
-        <a:cs typeface=""/>
-        <a:font script="Jpan" typeface="ＭＳ Ｐゴシック"/>
-        <a:font script="Hang" typeface="맑은 고딕"/>
-        <a:font script="Hans" typeface="宋体"/>
-        <a:font script="Hant" typeface="新細明體"/>
-        <a:font script="Arab" typeface="Arial"/>
-        <a:font script="Hebr" typeface="Arial"/>
-        <a:font script="Thai" typeface="Cordia New"/>
-        <a:font script="Ethi" typeface="Nyala"/>
-        <a:font script="Beng" typeface="Vrinda"/>
-        <a:font script="Gujr" typeface="Shruti"/>
-        <a:font script="Khmr" typeface="DaunPenh"/>
-        <a:font script="Knda" typeface="Tunga"/>
-        <a:font script="Guru" typeface="Raavi"/>
-        <a:font script="Cans" typeface="Euphemia"/>
-        <a:font script="Cher" typeface="Plantagenet Cherokee"/>
-        <a:font script="Yiii" typeface="Microsoft Yi Baiti"/>
-        <a:font script="Tibt" typeface="Microsoft Himalaya"/>
-        <a:font script="Thaa" typeface="MV Boli"/>
-        <a:font script="Deva" typeface="Mangal"/>
-        <a:font script="Telu" typeface="Gautami"/>
-        <a:font script="Taml" typeface="Latha"/>
-        <a:font script="Syrc" typeface="Estrangelo Edessa"/>
-        <a:font script="Orya" typeface="Kalinga"/>
-        <a:font script="Mlym" typeface="Kartika"/>
-        <a:font script="Laoo" typeface="DokChampa"/>
-        <a:font script="Sinh" typeface="Iskoola Pota"/>
-        <a:font script="Mong" typeface="Mongolian Baiti"/>
-        <a:font script="Viet" typeface="Arial"/>
-        <a:font script="Uigh" typeface="Microsoft Uighur"/>
-        <a:font script="Geor" typeface="Sylfaen"/>
-      </a:minorFont>
-    </a:fontScheme>
-    <a:fmtScheme name="Office">
-      <a:fillStyleLst>
-        <a:solidFill>
-          <a:schemeClr val="phClr"/>
-        </a:solidFill>
-        <a:gradFill rotWithShape="1">
-          <a:gsLst>
-            <a:gs pos="0">
-              <a:schemeClr val="phClr">
-                <a:tint val="50000"/>
-                <a:satMod val="300000"/>
-              </a:schemeClr>
-            </a:gs>
-            <a:gs pos="35000">
-              <a:schemeClr val="phClr">
-                <a:tint val="37000"/>
-                <a:satMod val="300000"/>
-              </a:schemeClr>
-            </a:gs>
-            <a:gs pos="100000">
-              <a:schemeClr val="phClr">
-                <a:tint val="15000"/>
-                <a:satMod val="350000"/>
-              </a:schemeClr>
-            </a:gs>
-          </a:gsLst>
-          <a:lin ang="16200000" scaled="1"/>
-        </a:gradFill>
-        <a:gradFill rotWithShape="1">
-          <a:gsLst>
-            <a:gs pos="0">
-              <a:schemeClr val="phClr">
-                <a:tint val="100000"/>
-                <a:shade val="100000"/>
-                <a:satMod val="130000"/>
-              </a:schemeClr>
-            </a:gs>
-            <a:gs pos="100000">
-              <a:schemeClr val="phClr">
-                <a:tint val="50000"/>
-                <a:shade val="100000"/>
-                <a:satMod val="350000"/>
-              </a:schemeClr>
-            </a:gs>
-          </a:gsLst>
-          <a:lin ang="16200000" scaled="0"/>
-        </a:gradFill>
-      </a:fillStyleLst>
-      <a:lnStyleLst>
-        <a:ln w="9525" cap="flat" cmpd="sng" algn="ctr">
-          <a:solidFill>
-            <a:schemeClr val="phClr">
-              <a:shade val="95000"/>
-              <a:satMod val="105000"/>
-            </a:schemeClr>
-          </a:solidFill>
-          <a:prstDash val="solid"/>
-        </a:ln>
-        <a:ln w="25400" cap="flat" cmpd="sng" algn="ctr">
-          <a:solidFill>
-            <a:schemeClr val="phClr"/>
-          </a:solidFill>
-          <a:prstDash val="solid"/>
-        </a:ln>
-        <a:ln w="38100" cap="flat" cmpd="sng" algn="ctr">
-          <a:solidFill>
-            <a:schemeClr val="phClr"/>
-          </a:solidFill>
-          <a:prstDash val="solid"/>
-        </a:ln>
-      </a:lnStyleLst>
-      <a:effectStyleLst>
-        <a:effectStyle>
-          <a:effectLst>
-            <a:outerShdw blurRad="40000" dist="20000" dir="5400000" rotWithShape="0">
-              <a:srgbClr val="000000">
-                <a:alpha val="38000"/>
-              </a:srgbClr>
-            </a:outerShdw>
-          </a:effectLst>
-        </a:effectStyle>
-        <a:effectStyle>
-          <a:effectLst>
-            <a:outerShdw blurRad="40000" dist="23000" dir="5400000" rotWithShape="0">
-              <a:srgbClr val="000000">
-                <a:alpha val="35000"/>
-              </a:srgbClr>
-            </a:outerShdw>
-          </a:effectLst>
-        </a:effectStyle>
-        <a:effectStyle>
-          <a:effectLst>
-            <a:outerShdw blurRad="40000" dist="23000" dir="5400000" rotWithShape="0">
-              <a:srgbClr val="000000">
-                <a:alpha val="35000"/>
-              </a:srgbClr>
-            </a:outerShdw>
-          </a:effectLst>
-          <a:scene3d>
-            <a:camera prst="orthographicFront">
-              <a:rot lat="0" lon="0" rev="0"/>
-            </a:camera>
-            <a:lightRig rig="threePt" dir="t">
-              <a:rot lat="0" lon="0" rev="1200000"/>
-            </a:lightRig>
-          </a:scene3d>
-          <a:sp3d>
-            <a:bevelT w="63500" h="25400"/>
-          </a:sp3d>
-        </a:effectStyle>
-      </a:effectStyleLst>
-      <a:bgFillStyleLst>
-        <a:solidFill>
-          <a:schemeClr val="phClr"/>
-        </a:solidFill>
-        <a:gradFill rotWithShape="1">
-          <a:gsLst>
-            <a:gs pos="0">
-              <a:schemeClr val="phClr">
-                <a:tint val="40000"/>
-                <a:satMod val="350000"/>
-              </a:schemeClr>
-            </a:gs>
-            <a:gs pos="40000">
-              <a:schemeClr val="phClr">
-                <a:tint val="45000"/>
-                <a:shade val="99000"/>
-                <a:satMod val="350000"/>
-              </a:schemeClr>
-            </a:gs>
-            <a:gs pos="100000">
-              <a:schemeClr val="phClr">
-                <a:shade val="20000"/>
-                <a:satMod val="255000"/>
-              </a:schemeClr>
-            </a:gs>
-          </a:gsLst>
-          <a:path path="circle">
-            <a:fillToRect l="50000" t="-80000" r="50000" b="180000"/>
-          </a:path>
-        </a:gradFill>
-        <a:gradFill rotWithShape="1">
-          <a:gsLst>
-            <a:gs pos="0">
-              <a:schemeClr val="phClr">
-                <a:tint val="80000"/>
-                <a:satMod val="300000"/>
-              </a:schemeClr>
-            </a:gs>
-            <a:gs pos="100000">
-              <a:schemeClr val="phClr">
-                <a:shade val="30000"/>
-                <a:satMod val="200000"/>
-              </a:schemeClr>
-            </a:gs>
-          </a:gsLst>
-          <a:path path="circle">
-            <a:fillToRect l="50000" t="50000" r="50000" b="50000"/>
-          </a:path>
-        </a:gradFill>
-      </a:bgFillStyleLst>
-    </a:fmtScheme>
-  </a:themeElements>
-</a:theme>
 </file>